--- a/Slides/MSFT_Requirement.pptx
+++ b/Slides/MSFT_Requirement.pptx
@@ -7239,9 +7239,10 @@
           <a:lstStyle/>
           <a:p>
             <a:r>
-              <a:rPr lang="en-US" dirty="0"/>
-              <a:t>Short Presentation Title</a:t>
-            </a:r>
+              <a:rPr lang="en-US" dirty="0" smtClean="0"/>
+              <a:t>Microsoft RAR Workshop</a:t>
+            </a:r>
+            <a:endParaRPr lang="en-US" dirty="0"/>
           </a:p>
         </p:txBody>
       </p:sp>
@@ -7269,185 +7270,20 @@
           <a:p>
             <a:r>
               <a:rPr lang="en-US" sz="1800" dirty="0" smtClean="0"/>
-              <a:t>Speaker’s Name, SAP (delete if not needed)</a:t>
+              <a:t>Xin Fang</a:t>
+            </a:r>
+            <a:r>
+              <a:rPr lang="en-US" sz="1800" dirty="0" smtClean="0"/>
+              <a:t/>
             </a:r>
             <a:br>
               <a:rPr lang="en-US" sz="1800" dirty="0" smtClean="0"/>
             </a:br>
             <a:r>
               <a:rPr lang="en-US" sz="1800" dirty="0" smtClean="0"/>
-              <a:t>Month 00, 2017</a:t>
-            </a:r>
-          </a:p>
-        </p:txBody>
-      </p:sp>
-      <p:sp>
-        <p:nvSpPr>
-          <p:cNvPr id="16" name="Rectangle 15"/>
-          <p:cNvSpPr/>
-          <p:nvPr/>
-        </p:nvSpPr>
-        <p:spPr bwMode="gray">
-          <a:xfrm>
-            <a:off x="9871074" y="6088062"/>
-            <a:ext cx="2000251" cy="449263"/>
-          </a:xfrm>
-          <a:prstGeom prst="rect">
-            <a:avLst/>
-          </a:prstGeom>
-          <a:solidFill>
-            <a:schemeClr val="bg1"/>
-          </a:solidFill>
-          <a:ln w="12700" cmpd="sng" algn="ctr">
-            <a:noFill/>
-            <a:prstDash val="dash"/>
-            <a:miter lim="800000"/>
-            <a:headEnd/>
-            <a:tailEnd/>
-          </a:ln>
-        </p:spPr>
-        <p:txBody>
-          <a:bodyPr lIns="90000" tIns="72000" rIns="90000" bIns="72000" rtlCol="0" anchor="ctr"/>
-          <a:lstStyle/>
-          <a:p>
-            <a:pPr marR="0" algn="ctr" defTabSz="914400" eaLnBrk="1" fontAlgn="base" latinLnBrk="0" hangingPunct="1">
-              <a:lnSpc>
-                <a:spcPct val="100000"/>
-              </a:lnSpc>
-              <a:spcBef>
-                <a:spcPct val="50000"/>
-              </a:spcBef>
-              <a:spcAft>
-                <a:spcPct val="0"/>
-              </a:spcAft>
-              <a:buClr>
-                <a:srgbClr val="F0AB00"/>
-              </a:buClr>
-              <a:buSzPct val="80000"/>
-              <a:tabLst/>
-            </a:pPr>
-            <a:endParaRPr kumimoji="0" lang="en-US" sz="1400" b="0" i="0" u="none" strike="noStrike" kern="0" cap="none" spc="0" normalizeH="0" baseline="0" noProof="0" dirty="0" smtClean="0">
-              <a:ln>
-                <a:noFill/>
-              </a:ln>
-              <a:effectLst/>
-              <a:uLnTx/>
-              <a:uFillTx/>
-              <a:ea typeface="Arial Unicode MS" pitchFamily="34" charset="-128"/>
-              <a:cs typeface="Arial Unicode MS" pitchFamily="34" charset="-128"/>
-            </a:endParaRPr>
-          </a:p>
-        </p:txBody>
-      </p:sp>
-      <p:cxnSp>
-        <p:nvCxnSpPr>
-          <p:cNvPr id="17" name="Straight Arrow Connector 16"/>
-          <p:cNvCxnSpPr>
-            <a:stCxn id="18" idx="3"/>
-            <a:endCxn id="16" idx="1"/>
-          </p:cNvCxnSpPr>
-          <p:nvPr/>
-        </p:nvCxnSpPr>
-        <p:spPr>
-          <a:xfrm>
-            <a:off x="9065369" y="6312325"/>
-            <a:ext cx="805705" cy="369"/>
-          </a:xfrm>
-          <a:prstGeom prst="straightConnector1">
-            <a:avLst/>
-          </a:prstGeom>
-          <a:ln w="6350">
-            <a:solidFill>
-              <a:srgbClr val="FFFF00"/>
-            </a:solidFill>
-            <a:headEnd type="none" w="med" len="med"/>
-            <a:tailEnd type="triangle" w="med" len="med"/>
-          </a:ln>
-        </p:spPr>
-        <p:style>
-          <a:lnRef idx="1">
-            <a:schemeClr val="accent1"/>
-          </a:lnRef>
-          <a:fillRef idx="0">
-            <a:schemeClr val="accent1"/>
-          </a:fillRef>
-          <a:effectRef idx="0">
-            <a:schemeClr val="accent1"/>
-          </a:effectRef>
-          <a:fontRef idx="minor">
-            <a:schemeClr val="tx1"/>
-          </a:fontRef>
-        </p:style>
-      </p:cxnSp>
-      <p:sp>
-        <p:nvSpPr>
-          <p:cNvPr id="18" name="Rounded Rectangle 17"/>
-          <p:cNvSpPr/>
-          <p:nvPr/>
-        </p:nvSpPr>
-        <p:spPr bwMode="gray">
-          <a:xfrm>
-            <a:off x="5863268" y="6087325"/>
-            <a:ext cx="3202101" cy="450000"/>
-          </a:xfrm>
-          <a:prstGeom prst="roundRect">
-            <a:avLst>
-              <a:gd name="adj" fmla="val 16667"/>
-            </a:avLst>
-          </a:prstGeom>
-          <a:solidFill>
-            <a:srgbClr val="FFFF00"/>
-          </a:solidFill>
-          <a:ln>
-            <a:noFill/>
-            <a:headEnd/>
-            <a:tailEnd/>
-          </a:ln>
-          <a:effectLst/>
-        </p:spPr>
-        <p:style>
-          <a:lnRef idx="3">
-            <a:schemeClr val="lt1"/>
-          </a:lnRef>
-          <a:fillRef idx="1">
-            <a:schemeClr val="accent6"/>
-          </a:fillRef>
-          <a:effectRef idx="1">
-            <a:schemeClr val="accent6"/>
-          </a:effectRef>
-          <a:fontRef idx="minor">
-            <a:schemeClr val="lt1"/>
-          </a:fontRef>
-        </p:style>
-        <p:txBody>
-          <a:bodyPr wrap="square" lIns="36000" tIns="36000" rIns="36000" bIns="36000" rtlCol="0" anchor="ctr">
-            <a:spAutoFit/>
-          </a:bodyPr>
-          <a:lstStyle/>
-          <a:p>
-            <a:pPr fontAlgn="base">
-              <a:spcBef>
-                <a:spcPts val="600"/>
-              </a:spcBef>
-              <a:spcAft>
-                <a:spcPct val="0"/>
-              </a:spcAft>
-              <a:buClr>
-                <a:srgbClr val="F0AB00"/>
-              </a:buClr>
-              <a:buSzPct val="80000"/>
-            </a:pPr>
-            <a:r>
-              <a:rPr lang="en-US" sz="1200" kern="0" dirty="0" smtClean="0">
-                <a:solidFill>
-                  <a:sysClr val="windowText" lastClr="000000"/>
-                </a:solidFill>
-                <a:ea typeface="Arial Unicode MS" pitchFamily="34" charset="-128"/>
-                <a:cs typeface="Arial Unicode MS" pitchFamily="34" charset="-128"/>
-                <a:sym typeface="Arial"/>
-              </a:rPr>
-              <a:t>Use the white area to place your partner or customer logo. Resize the box to fit the logo.</a:t>
-            </a:r>
+              <a:t>Jan. 2017</a:t>
+            </a:r>
+            <a:endParaRPr lang="en-US" sz="1800" dirty="0" smtClean="0"/>
           </a:p>
         </p:txBody>
       </p:sp>
@@ -7494,220 +7330,6 @@
                 <a:cs typeface="Arial Unicode MS" pitchFamily="34" charset="-128"/>
               </a:rPr>
               <a:t>Internal</a:t>
-            </a:r>
-          </a:p>
-        </p:txBody>
-      </p:sp>
-      <p:sp>
-        <p:nvSpPr>
-          <p:cNvPr id="20" name="Rounded Rectangle 19"/>
-          <p:cNvSpPr/>
-          <p:nvPr/>
-        </p:nvSpPr>
-        <p:spPr bwMode="gray">
-          <a:xfrm>
-            <a:off x="9639613" y="475268"/>
-            <a:ext cx="2496574" cy="591216"/>
-          </a:xfrm>
-          <a:prstGeom prst="roundRect">
-            <a:avLst>
-              <a:gd name="adj" fmla="val 16667"/>
-            </a:avLst>
-          </a:prstGeom>
-          <a:solidFill>
-            <a:srgbClr val="FFFF00"/>
-          </a:solidFill>
-          <a:ln>
-            <a:noFill/>
-            <a:headEnd/>
-            <a:tailEnd/>
-          </a:ln>
-          <a:effectLst/>
-        </p:spPr>
-        <p:style>
-          <a:lnRef idx="3">
-            <a:schemeClr val="lt1"/>
-          </a:lnRef>
-          <a:fillRef idx="1">
-            <a:schemeClr val="accent6"/>
-          </a:fillRef>
-          <a:effectRef idx="1">
-            <a:schemeClr val="accent6"/>
-          </a:effectRef>
-          <a:fontRef idx="minor">
-            <a:schemeClr val="lt1"/>
-          </a:fontRef>
-        </p:style>
-        <p:txBody>
-          <a:bodyPr wrap="square" lIns="36000" tIns="36000" rIns="36000" bIns="36000" rtlCol="0" anchor="ctr">
-            <a:spAutoFit/>
-          </a:bodyPr>
-          <a:lstStyle/>
-          <a:p>
-            <a:pPr fontAlgn="base">
-              <a:spcBef>
-                <a:spcPts val="600"/>
-              </a:spcBef>
-              <a:spcAft>
-                <a:spcPct val="0"/>
-              </a:spcAft>
-              <a:buClr>
-                <a:srgbClr val="F0AB00"/>
-              </a:buClr>
-              <a:buSzPct val="80000"/>
-            </a:pPr>
-            <a:r>
-              <a:rPr lang="en-US" sz="1000" kern="0" dirty="0" smtClean="0">
-                <a:solidFill>
-                  <a:sysClr val="windowText" lastClr="000000"/>
-                </a:solidFill>
-                <a:ea typeface="Arial Unicode MS" pitchFamily="34" charset="-128"/>
-                <a:cs typeface="Arial Unicode MS" pitchFamily="34" charset="-128"/>
-                <a:sym typeface="Arial"/>
-              </a:rPr>
-              <a:t>You can easily change the classification</a:t>
-            </a:r>
-            <a:r>
-              <a:rPr lang="en-US" sz="1000" kern="0" dirty="0">
-                <a:solidFill>
-                  <a:sysClr val="windowText" lastClr="000000"/>
-                </a:solidFill>
-                <a:ea typeface="Arial Unicode MS" pitchFamily="34" charset="-128"/>
-                <a:cs typeface="Arial Unicode MS" pitchFamily="34" charset="-128"/>
-                <a:sym typeface="Arial"/>
-              </a:rPr>
-              <a:t> </a:t>
-            </a:r>
-            <a:r>
-              <a:rPr lang="en-US" sz="1000" kern="0" dirty="0" smtClean="0">
-                <a:solidFill>
-                  <a:sysClr val="windowText" lastClr="000000"/>
-                </a:solidFill>
-                <a:ea typeface="Arial Unicode MS" pitchFamily="34" charset="-128"/>
-                <a:cs typeface="Arial Unicode MS" pitchFamily="34" charset="-128"/>
-                <a:sym typeface="Arial"/>
-              </a:rPr>
-              <a:t>on </a:t>
-            </a:r>
-            <a:r>
-              <a:rPr lang="en-US" sz="1000" b="1" kern="0" dirty="0" smtClean="0">
-                <a:solidFill>
-                  <a:sysClr val="windowText" lastClr="000000"/>
-                </a:solidFill>
-                <a:ea typeface="Arial Unicode MS" pitchFamily="34" charset="-128"/>
-                <a:cs typeface="Arial Unicode MS" pitchFamily="34" charset="-128"/>
-                <a:sym typeface="Arial"/>
-              </a:rPr>
-              <a:t>all</a:t>
-            </a:r>
-            <a:r>
-              <a:rPr lang="en-US" sz="1000" kern="0" dirty="0" smtClean="0">
-                <a:solidFill>
-                  <a:sysClr val="windowText" lastClr="000000"/>
-                </a:solidFill>
-                <a:ea typeface="Arial Unicode MS" pitchFamily="34" charset="-128"/>
-                <a:cs typeface="Arial Unicode MS" pitchFamily="34" charset="-128"/>
-                <a:sym typeface="Arial"/>
-              </a:rPr>
-              <a:t> slides with the </a:t>
-            </a:r>
-            <a:r>
-              <a:rPr lang="en-US" sz="1000" i="1" kern="0" dirty="0" smtClean="0">
-                <a:solidFill>
-                  <a:sysClr val="windowText" lastClr="000000"/>
-                </a:solidFill>
-                <a:ea typeface="Arial Unicode MS" pitchFamily="34" charset="-128"/>
-                <a:cs typeface="Arial Unicode MS" pitchFamily="34" charset="-128"/>
-                <a:sym typeface="Arial"/>
-              </a:rPr>
-              <a:t>Presentation Wizard</a:t>
-            </a:r>
-            <a:r>
-              <a:rPr lang="en-US" sz="1000" kern="0" dirty="0" smtClean="0">
-                <a:solidFill>
-                  <a:sysClr val="windowText" lastClr="000000"/>
-                </a:solidFill>
-                <a:ea typeface="Arial Unicode MS" pitchFamily="34" charset="-128"/>
-                <a:cs typeface="Arial Unicode MS" pitchFamily="34" charset="-128"/>
-                <a:sym typeface="Arial"/>
-              </a:rPr>
-              <a:t>. </a:t>
-            </a:r>
-            <a:br>
-              <a:rPr lang="en-US" sz="1000" kern="0" dirty="0" smtClean="0">
-                <a:solidFill>
-                  <a:sysClr val="windowText" lastClr="000000"/>
-                </a:solidFill>
-                <a:ea typeface="Arial Unicode MS" pitchFamily="34" charset="-128"/>
-                <a:cs typeface="Arial Unicode MS" pitchFamily="34" charset="-128"/>
-                <a:sym typeface="Arial"/>
-              </a:rPr>
-            </a:br>
-            <a:r>
-              <a:rPr lang="en-US" sz="1000" kern="0" dirty="0" smtClean="0">
-                <a:solidFill>
-                  <a:sysClr val="windowText" lastClr="000000"/>
-                </a:solidFill>
-                <a:ea typeface="Arial Unicode MS" pitchFamily="34" charset="-128"/>
-                <a:cs typeface="Arial Unicode MS" pitchFamily="34" charset="-128"/>
-                <a:sym typeface="Arial"/>
-              </a:rPr>
-              <a:t>Go to </a:t>
-            </a:r>
-            <a:r>
-              <a:rPr lang="en-US" sz="1000" i="1" kern="0" dirty="0" smtClean="0">
-                <a:solidFill>
-                  <a:sysClr val="windowText" lastClr="000000"/>
-                </a:solidFill>
-                <a:ea typeface="Arial Unicode MS" pitchFamily="34" charset="-128"/>
-                <a:cs typeface="Arial Unicode MS" pitchFamily="34" charset="-128"/>
-                <a:sym typeface="Arial"/>
-              </a:rPr>
-              <a:t>File</a:t>
-            </a:r>
-            <a:r>
-              <a:rPr lang="en-US" sz="1000" kern="0" dirty="0" smtClean="0">
-                <a:solidFill>
-                  <a:sysClr val="windowText" lastClr="000000"/>
-                </a:solidFill>
-                <a:ea typeface="Arial Unicode MS" pitchFamily="34" charset="-128"/>
-                <a:cs typeface="Arial Unicode MS" pitchFamily="34" charset="-128"/>
-                <a:sym typeface="Arial"/>
-              </a:rPr>
-              <a:t> </a:t>
-            </a:r>
-            <a:r>
-              <a:rPr lang="en-US" sz="1000" kern="0" dirty="0" smtClean="0">
-                <a:solidFill>
-                  <a:sysClr val="windowText" lastClr="000000"/>
-                </a:solidFill>
-                <a:ea typeface="Arial Unicode MS" pitchFamily="34" charset="-128"/>
-                <a:cs typeface="Arial Unicode MS" pitchFamily="34" charset="-128"/>
-                <a:sym typeface="Wingdings"/>
-              </a:rPr>
-              <a:t></a:t>
-            </a:r>
-            <a:r>
-              <a:rPr lang="en-US" sz="1000" kern="0" dirty="0" smtClean="0">
-                <a:solidFill>
-                  <a:sysClr val="windowText" lastClr="000000"/>
-                </a:solidFill>
-                <a:ea typeface="Arial Unicode MS" pitchFamily="34" charset="-128"/>
-                <a:cs typeface="Arial Unicode MS" pitchFamily="34" charset="-128"/>
-                <a:sym typeface="Arial"/>
-              </a:rPr>
-              <a:t> </a:t>
-            </a:r>
-            <a:r>
-              <a:rPr lang="en-US" sz="1000" i="1" kern="0" dirty="0" smtClean="0">
-                <a:solidFill>
-                  <a:sysClr val="windowText" lastClr="000000"/>
-                </a:solidFill>
-                <a:ea typeface="Arial Unicode MS" pitchFamily="34" charset="-128"/>
-                <a:cs typeface="Arial Unicode MS" pitchFamily="34" charset="-128"/>
-                <a:sym typeface="Arial"/>
-              </a:rPr>
-              <a:t>Change Classification</a:t>
             </a:r>
           </a:p>
         </p:txBody>
@@ -7742,177 +7364,6 @@
           </a:prstGeom>
         </p:spPr>
       </p:pic>
-      <p:sp>
-        <p:nvSpPr>
-          <p:cNvPr id="15" name="Rounded Rectangle 14"/>
-          <p:cNvSpPr/>
-          <p:nvPr/>
-        </p:nvSpPr>
-        <p:spPr bwMode="gray">
-          <a:xfrm rot="-300000">
-            <a:off x="342492" y="3193764"/>
-            <a:ext cx="4320000" cy="880657"/>
-          </a:xfrm>
-          <a:prstGeom prst="roundRect">
-            <a:avLst>
-              <a:gd name="adj" fmla="val 16667"/>
-            </a:avLst>
-          </a:prstGeom>
-          <a:solidFill>
-            <a:srgbClr val="FFFF00"/>
-          </a:solidFill>
-          <a:ln>
-            <a:noFill/>
-            <a:headEnd/>
-            <a:tailEnd/>
-          </a:ln>
-          <a:effectLst/>
-        </p:spPr>
-        <p:style>
-          <a:lnRef idx="3">
-            <a:schemeClr val="lt1"/>
-          </a:lnRef>
-          <a:fillRef idx="1">
-            <a:schemeClr val="accent6"/>
-          </a:fillRef>
-          <a:effectRef idx="1">
-            <a:schemeClr val="accent6"/>
-          </a:effectRef>
-          <a:fontRef idx="minor">
-            <a:schemeClr val="lt1"/>
-          </a:fontRef>
-        </p:style>
-        <p:txBody>
-          <a:bodyPr wrap="square" lIns="36000" tIns="36000" rIns="36000" bIns="36000" rtlCol="0" anchor="ctr">
-            <a:spAutoFit/>
-          </a:bodyPr>
-          <a:lstStyle/>
-          <a:p>
-            <a:pPr fontAlgn="base">
-              <a:spcBef>
-                <a:spcPct val="50000"/>
-              </a:spcBef>
-              <a:spcAft>
-                <a:spcPct val="0"/>
-              </a:spcAft>
-              <a:buClr>
-                <a:srgbClr val="F0AB00"/>
-              </a:buClr>
-              <a:buSzPct val="80000"/>
-            </a:pPr>
-            <a:r>
-              <a:rPr lang="en-US" sz="1400" b="1" kern="0" dirty="0" smtClean="0">
-                <a:solidFill>
-                  <a:schemeClr val="tx1"/>
-                </a:solidFill>
-                <a:ea typeface="Arial Unicode MS" pitchFamily="34" charset="-128"/>
-                <a:cs typeface="Arial Unicode MS" pitchFamily="34" charset="-128"/>
-                <a:sym typeface="Arial"/>
-              </a:rPr>
-              <a:t>NOTE: </a:t>
-            </a:r>
-            <a:r>
-              <a:rPr lang="en-US" sz="1400" kern="0" dirty="0" smtClean="0">
-                <a:solidFill>
-                  <a:schemeClr val="tx1"/>
-                </a:solidFill>
-                <a:ea typeface="Arial Unicode MS" pitchFamily="34" charset="-128"/>
-                <a:cs typeface="Arial Unicode MS" pitchFamily="34" charset="-128"/>
-                <a:sym typeface="Arial"/>
-              </a:rPr>
-              <a:t>Delete the </a:t>
-            </a:r>
-            <a:r>
-              <a:rPr lang="en-US" sz="1400" kern="0" dirty="0">
-                <a:solidFill>
-                  <a:schemeClr val="tx1"/>
-                </a:solidFill>
-                <a:ea typeface="Arial Unicode MS" pitchFamily="34" charset="-128"/>
-                <a:cs typeface="Arial Unicode MS" pitchFamily="34" charset="-128"/>
-                <a:sym typeface="Arial"/>
-              </a:rPr>
-              <a:t>yellow stickers.</a:t>
-            </a:r>
-            <a:endParaRPr lang="en-US" sz="1400" kern="0" dirty="0" smtClean="0">
-              <a:solidFill>
-                <a:schemeClr val="tx1"/>
-              </a:solidFill>
-              <a:ea typeface="Arial Unicode MS" pitchFamily="34" charset="-128"/>
-              <a:cs typeface="Arial Unicode MS" pitchFamily="34" charset="-128"/>
-              <a:sym typeface="Arial"/>
-            </a:endParaRPr>
-          </a:p>
-          <a:p>
-            <a:pPr fontAlgn="base">
-              <a:spcBef>
-                <a:spcPts val="600"/>
-              </a:spcBef>
-              <a:spcAft>
-                <a:spcPct val="0"/>
-              </a:spcAft>
-              <a:buClr>
-                <a:srgbClr val="F0AB00"/>
-              </a:buClr>
-              <a:buSzPct val="80000"/>
-            </a:pPr>
-            <a:r>
-              <a:rPr lang="en-US" sz="1400" kern="0" dirty="0" smtClean="0">
-                <a:solidFill>
-                  <a:schemeClr val="tx1"/>
-                </a:solidFill>
-                <a:ea typeface="Arial Unicode MS" pitchFamily="34" charset="-128"/>
-                <a:cs typeface="Arial Unicode MS" pitchFamily="34" charset="-128"/>
-                <a:sym typeface="Arial"/>
-              </a:rPr>
-              <a:t>Sample of title slide image. </a:t>
-            </a:r>
-            <a:br>
-              <a:rPr lang="en-US" sz="1400" kern="0" dirty="0" smtClean="0">
-                <a:solidFill>
-                  <a:schemeClr val="tx1"/>
-                </a:solidFill>
-                <a:ea typeface="Arial Unicode MS" pitchFamily="34" charset="-128"/>
-                <a:cs typeface="Arial Unicode MS" pitchFamily="34" charset="-128"/>
-                <a:sym typeface="Arial"/>
-              </a:rPr>
-            </a:br>
-            <a:r>
-              <a:rPr lang="en-US" sz="1400" kern="0" dirty="0" smtClean="0">
-                <a:solidFill>
-                  <a:schemeClr val="tx1"/>
-                </a:solidFill>
-                <a:ea typeface="Arial Unicode MS" pitchFamily="34" charset="-128"/>
-                <a:cs typeface="Arial Unicode MS" pitchFamily="34" charset="-128"/>
-                <a:sym typeface="Arial"/>
-              </a:rPr>
-              <a:t>See </a:t>
-            </a:r>
-            <a:r>
-              <a:rPr lang="en-US" sz="1400" kern="0" dirty="0" smtClean="0">
-                <a:solidFill>
-                  <a:schemeClr val="tx1"/>
-                </a:solidFill>
-                <a:ea typeface="Arial Unicode MS" pitchFamily="34" charset="-128"/>
-                <a:cs typeface="Arial Unicode MS" pitchFamily="34" charset="-128"/>
-                <a:sym typeface="Arial"/>
-                <a:hlinkClick r:id="rId5"/>
-              </a:rPr>
-              <a:t>SAP Image Library </a:t>
-            </a:r>
-            <a:r>
-              <a:rPr lang="en-US" sz="1400" kern="0" dirty="0" smtClean="0">
-                <a:solidFill>
-                  <a:schemeClr val="tx1"/>
-                </a:solidFill>
-                <a:ea typeface="Arial Unicode MS" pitchFamily="34" charset="-128"/>
-                <a:cs typeface="Arial Unicode MS" pitchFamily="34" charset="-128"/>
-                <a:sym typeface="Arial"/>
-              </a:rPr>
-              <a:t>for other available images</a:t>
-            </a:r>
-          </a:p>
-        </p:txBody>
-      </p:sp>
     </p:spTree>
     <p:extLst>
       <p:ext uri="{BB962C8B-B14F-4D97-AF65-F5344CB8AC3E}">
@@ -8694,7 +8145,19 @@
           <a:p>
             <a:r>
               <a:rPr lang="en-US" dirty="0" smtClean="0"/>
-              <a:t>Value Contract ( Consumption-based Rev Rec)</a:t>
+              <a:t>Value Contract </a:t>
+            </a:r>
+            <a:r>
+              <a:rPr lang="en-US" dirty="0" smtClean="0"/>
+              <a:t>( Consumption-based </a:t>
+            </a:r>
+            <a:r>
+              <a:rPr lang="en-US" dirty="0" smtClean="0"/>
+              <a:t>Rev </a:t>
+            </a:r>
+            <a:r>
+              <a:rPr lang="en-US" dirty="0" smtClean="0"/>
+              <a:t>Rec )</a:t>
             </a:r>
             <a:endParaRPr lang="en-US" dirty="0"/>
           </a:p>
@@ -8708,7 +8171,7 @@
         </p:nvSpPr>
         <p:spPr bwMode="gray">
           <a:xfrm>
-            <a:off x="4240209" y="1505119"/>
+            <a:off x="4240209" y="1861167"/>
             <a:ext cx="1707419" cy="469338"/>
           </a:xfrm>
           <a:prstGeom prst="rect">
@@ -8772,7 +8235,7 @@
         </p:nvSpPr>
         <p:spPr bwMode="gray">
           <a:xfrm>
-            <a:off x="4240209" y="2112021"/>
+            <a:off x="4228088" y="2503365"/>
             <a:ext cx="1707419" cy="469338"/>
           </a:xfrm>
           <a:prstGeom prst="rect">
@@ -8826,7 +8289,7 @@
         </p:nvSpPr>
         <p:spPr bwMode="gray">
           <a:xfrm>
-            <a:off x="4240209" y="2802671"/>
+            <a:off x="4240209" y="3112112"/>
             <a:ext cx="1586044" cy="469338"/>
           </a:xfrm>
           <a:prstGeom prst="rect">
@@ -8863,16 +8326,12 @@
               <a:tabLst/>
             </a:pPr>
             <a:r>
-              <a:rPr lang="en-US" sz="1000" kern="0" dirty="0" smtClean="0">
+              <a:rPr lang="en-US" sz="1000" kern="0" noProof="0" dirty="0" smtClean="0">
                 <a:ea typeface="Arial Unicode MS" pitchFamily="34" charset="-128"/>
                 <a:cs typeface="Arial Unicode MS" pitchFamily="34" charset="-128"/>
               </a:rPr>
-              <a:t>Consume Value: $20 Material #1</a:t>
-            </a:r>
-            <a:endParaRPr lang="en-US" sz="1000" kern="0" noProof="0" dirty="0" smtClean="0">
-              <a:ea typeface="Arial Unicode MS" pitchFamily="34" charset="-128"/>
-              <a:cs typeface="Arial Unicode MS" pitchFamily="34" charset="-128"/>
-            </a:endParaRPr>
+              <a:t>Quantity fulfillment</a:t>
+            </a:r>
           </a:p>
         </p:txBody>
       </p:sp>
@@ -8939,7 +8398,7 @@
         </p:nvSpPr>
         <p:spPr bwMode="gray">
           <a:xfrm>
-            <a:off x="4209852" y="3547197"/>
+            <a:off x="4209852" y="3903245"/>
             <a:ext cx="1768132" cy="410641"/>
           </a:xfrm>
           <a:prstGeom prst="rect">
@@ -8980,7 +8439,7 @@
                 <a:ea typeface="Arial Unicode MS" pitchFamily="34" charset="-128"/>
                 <a:cs typeface="Arial Unicode MS" pitchFamily="34" charset="-128"/>
               </a:rPr>
-              <a:t>Create a new Value contract</a:t>
+              <a:t>Create a new value contract</a:t>
             </a:r>
             <a:endParaRPr kumimoji="0" lang="en-US" sz="1000" b="0" i="0" u="none" strike="noStrike" kern="0" cap="none" spc="0" normalizeH="0" baseline="0" noProof="0" dirty="0" smtClean="0">
               <a:ln>
@@ -9003,7 +8462,7 @@
         </p:nvSpPr>
         <p:spPr bwMode="gray">
           <a:xfrm>
-            <a:off x="7207123" y="1523101"/>
+            <a:off x="7207123" y="1879149"/>
             <a:ext cx="1646730" cy="409371"/>
           </a:xfrm>
           <a:prstGeom prst="rect">
@@ -9013,9 +8472,7 @@
             <a:schemeClr val="accent1"/>
           </a:solidFill>
           <a:ln w="6350" algn="ctr">
-            <a:solidFill>
-              <a:schemeClr val="tx1"/>
-            </a:solidFill>
+            <a:noFill/>
             <a:miter lim="800000"/>
             <a:headEnd/>
             <a:tailEnd/>
@@ -9046,7 +8503,7 @@
                 <a:ea typeface="Arial Unicode MS" pitchFamily="34" charset="-128"/>
                 <a:cs typeface="Arial Unicode MS" pitchFamily="34" charset="-128"/>
               </a:rPr>
-              <a:t>Revenue Contract &amp; POB</a:t>
+              <a:t>Create Revenue Contract &amp; POB</a:t>
             </a:r>
             <a:br>
               <a:rPr lang="en-US" sz="1000" kern="0" noProof="0" dirty="0" smtClean="0">
@@ -9075,7 +8532,7 @@
         </p:nvSpPr>
         <p:spPr bwMode="gray">
           <a:xfrm>
-            <a:off x="7207121" y="2695837"/>
+            <a:off x="7207122" y="3154845"/>
             <a:ext cx="1646731" cy="371238"/>
           </a:xfrm>
           <a:prstGeom prst="rect">
@@ -9133,7 +8590,7 @@
         </p:nvSpPr>
         <p:spPr bwMode="gray">
           <a:xfrm>
-            <a:off x="7207122" y="2109793"/>
+            <a:off x="7207122" y="2465841"/>
             <a:ext cx="1646731" cy="408723"/>
           </a:xfrm>
           <a:prstGeom prst="rect">
@@ -9187,7 +8644,7 @@
         </p:nvSpPr>
         <p:spPr bwMode="gray">
           <a:xfrm>
-            <a:off x="1207122" y="1468516"/>
+            <a:off x="1189547" y="1937196"/>
             <a:ext cx="1707419" cy="469338"/>
           </a:xfrm>
           <a:prstGeom prst="rect">
@@ -9264,44 +8721,8 @@
         </p:nvCxnSpPr>
         <p:spPr>
           <a:xfrm>
-            <a:off x="3034513" y="1703185"/>
+            <a:off x="3034513" y="2059233"/>
             <a:ext cx="1068149" cy="0"/>
-          </a:xfrm>
-          <a:prstGeom prst="straightConnector1">
-            <a:avLst/>
-          </a:prstGeom>
-          <a:ln w="6350">
-            <a:solidFill>
-              <a:schemeClr val="tx1"/>
-            </a:solidFill>
-            <a:tailEnd type="triangle"/>
-          </a:ln>
-        </p:spPr>
-        <p:style>
-          <a:lnRef idx="1">
-            <a:schemeClr val="accent1"/>
-          </a:lnRef>
-          <a:fillRef idx="0">
-            <a:schemeClr val="accent1"/>
-          </a:fillRef>
-          <a:effectRef idx="0">
-            <a:schemeClr val="accent1"/>
-          </a:effectRef>
-          <a:fontRef idx="minor">
-            <a:schemeClr val="tx1"/>
-          </a:fontRef>
-        </p:style>
-      </p:cxnSp>
-      <p:cxnSp>
-        <p:nvCxnSpPr>
-          <p:cNvPr id="60" name="Straight Arrow Connector 59"/>
-          <p:cNvCxnSpPr/>
-          <p:nvPr/>
-        </p:nvCxnSpPr>
-        <p:spPr>
-          <a:xfrm flipH="1">
-            <a:off x="5081798" y="1974457"/>
-            <a:ext cx="12120" cy="137564"/>
           </a:xfrm>
           <a:prstGeom prst="straightConnector1">
             <a:avLst/>
@@ -9336,7 +8757,7 @@
         </p:nvSpPr>
         <p:spPr bwMode="gray">
           <a:xfrm>
-            <a:off x="1077644" y="2802671"/>
+            <a:off x="1196331" y="3102468"/>
             <a:ext cx="1707419" cy="469338"/>
           </a:xfrm>
           <a:prstGeom prst="rect">
@@ -9427,7 +8848,7 @@
         </p:nvSpPr>
         <p:spPr bwMode="gray">
           <a:xfrm>
-            <a:off x="7252790" y="3333393"/>
+            <a:off x="7202350" y="3951720"/>
             <a:ext cx="1601062" cy="439037"/>
           </a:xfrm>
           <a:prstGeom prst="rect">
@@ -9437,9 +8858,7 @@
             <a:schemeClr val="accent1"/>
           </a:solidFill>
           <a:ln w="6350" algn="ctr">
-            <a:solidFill>
-              <a:schemeClr val="tx1"/>
-            </a:solidFill>
+            <a:noFill/>
             <a:miter lim="800000"/>
             <a:headEnd/>
             <a:tailEnd/>
@@ -9489,7 +8908,7 @@
         </p:nvSpPr>
         <p:spPr bwMode="gray">
           <a:xfrm>
-            <a:off x="4228088" y="4192538"/>
+            <a:off x="4228088" y="4616345"/>
             <a:ext cx="1707419" cy="469338"/>
           </a:xfrm>
           <a:prstGeom prst="rect">
@@ -9560,7 +8979,7 @@
         </p:nvSpPr>
         <p:spPr bwMode="gray">
           <a:xfrm>
-            <a:off x="7254233" y="4148270"/>
+            <a:off x="7202350" y="4663518"/>
             <a:ext cx="1752201" cy="621223"/>
           </a:xfrm>
           <a:prstGeom prst="rect">
@@ -9570,9 +8989,7 @@
             <a:schemeClr val="accent1"/>
           </a:solidFill>
           <a:ln w="6350" algn="ctr">
-            <a:solidFill>
-              <a:schemeClr val="tx1"/>
-            </a:solidFill>
+            <a:noFill/>
             <a:miter lim="800000"/>
             <a:headEnd/>
             <a:tailEnd/>
@@ -9633,7 +9050,7 @@
         </p:nvSpPr>
         <p:spPr bwMode="gray">
           <a:xfrm>
-            <a:off x="4228088" y="5096435"/>
+            <a:off x="4228088" y="5452483"/>
             <a:ext cx="1586044" cy="469338"/>
           </a:xfrm>
           <a:prstGeom prst="rect">
@@ -9691,7 +9108,7 @@
         </p:nvSpPr>
         <p:spPr bwMode="gray">
           <a:xfrm>
-            <a:off x="7267809" y="5093881"/>
+            <a:off x="7202350" y="5529843"/>
             <a:ext cx="1586044" cy="371238"/>
           </a:xfrm>
           <a:prstGeom prst="rect">
@@ -9749,7 +9166,7 @@
         </p:nvSpPr>
         <p:spPr bwMode="gray">
           <a:xfrm>
-            <a:off x="1245090" y="3445629"/>
+            <a:off x="1327090" y="3921406"/>
             <a:ext cx="1539972" cy="443726"/>
           </a:xfrm>
           <a:prstGeom prst="snip1Rect">
@@ -9782,11 +9199,11 @@
               <a:buSzPct val="80000"/>
             </a:pPr>
             <a:r>
-              <a:rPr lang="en-US" sz="1000" kern="0" dirty="0">
+              <a:rPr lang="en-US" sz="1000" kern="0" dirty="0" smtClean="0">
                 <a:ea typeface="Arial Unicode MS" pitchFamily="34" charset="-128"/>
                 <a:cs typeface="Arial Unicode MS" pitchFamily="34" charset="-128"/>
               </a:rPr>
-              <a:t>Increase the amount of the value contract</a:t>
+              <a:t>Purchase additional value</a:t>
             </a:r>
             <a:endParaRPr lang="en-US" sz="1000" kern="0" dirty="0">
               <a:ea typeface="Arial Unicode MS" pitchFamily="34" charset="-128"/>
@@ -9803,7 +9220,7 @@
         </p:nvSpPr>
         <p:spPr bwMode="gray">
           <a:xfrm>
-            <a:off x="1239917" y="4205344"/>
+            <a:off x="1282692" y="4663518"/>
             <a:ext cx="1539972" cy="443726"/>
           </a:xfrm>
           <a:prstGeom prst="snip1Rect">
@@ -9853,7 +9270,7 @@
         </p:nvSpPr>
         <p:spPr bwMode="gray">
           <a:xfrm>
-            <a:off x="1239917" y="4769493"/>
+            <a:off x="1280054" y="5449929"/>
             <a:ext cx="1539972" cy="443726"/>
           </a:xfrm>
           <a:prstGeom prst="snip1Rect">
@@ -9916,7 +9333,7 @@
         </p:nvSpPr>
         <p:spPr bwMode="gray">
           <a:xfrm>
-            <a:off x="9678073" y="2043239"/>
+            <a:off x="9516231" y="2623748"/>
             <a:ext cx="1691235" cy="690650"/>
           </a:xfrm>
           <a:prstGeom prst="flowChartDocument">
@@ -10015,8 +9432,8 @@
         </p:nvSpPr>
         <p:spPr bwMode="gray">
           <a:xfrm>
-            <a:off x="9710440" y="3268479"/>
-            <a:ext cx="1626500" cy="782489"/>
+            <a:off x="9516806" y="3728439"/>
+            <a:ext cx="1626500" cy="996856"/>
           </a:xfrm>
           <a:prstGeom prst="flowChartDocument">
             <a:avLst/>
@@ -10054,6 +9471,24 @@
               </a:rPr>
               <a:t>Management Reporting </a:t>
             </a:r>
+            <a:endParaRPr lang="en-US" sz="1000" kern="0" dirty="0" smtClean="0">
+              <a:ea typeface="Arial Unicode MS" pitchFamily="34" charset="-128"/>
+              <a:cs typeface="Arial Unicode MS" pitchFamily="34" charset="-128"/>
+            </a:endParaRPr>
+          </a:p>
+          <a:p>
+            <a:pPr defTabSz="914400" fontAlgn="base">
+              <a:spcBef>
+                <a:spcPct val="50000"/>
+              </a:spcBef>
+              <a:spcAft>
+                <a:spcPct val="0"/>
+              </a:spcAft>
+              <a:buClr>
+                <a:srgbClr val="F0AB00"/>
+              </a:buClr>
+              <a:buSzPct val="80000"/>
+            </a:pPr>
             <a:r>
               <a:rPr lang="en-US" sz="1000" kern="0" dirty="0" smtClean="0">
                 <a:ea typeface="Arial Unicode MS" pitchFamily="34" charset="-128"/>
@@ -10097,6 +9532,522 @@
           </a:p>
         </p:txBody>
       </p:sp>
+      <p:sp>
+        <p:nvSpPr>
+          <p:cNvPr id="3" name="Down Arrow 2"/>
+          <p:cNvSpPr/>
+          <p:nvPr/>
+        </p:nvSpPr>
+        <p:spPr bwMode="gray">
+          <a:xfrm>
+            <a:off x="1992173" y="2543948"/>
+            <a:ext cx="141591" cy="494803"/>
+          </a:xfrm>
+          <a:prstGeom prst="downArrow">
+            <a:avLst/>
+          </a:prstGeom>
+          <a:solidFill>
+            <a:schemeClr val="accent1"/>
+          </a:solidFill>
+          <a:ln w="6350" algn="ctr">
+            <a:noFill/>
+            <a:miter lim="800000"/>
+            <a:headEnd/>
+            <a:tailEnd/>
+          </a:ln>
+        </p:spPr>
+        <p:txBody>
+          <a:bodyPr lIns="90000" tIns="72000" rIns="90000" bIns="72000" rtlCol="0" anchor="ctr"/>
+          <a:lstStyle/>
+          <a:p>
+            <a:pPr marR="0" algn="ctr" defTabSz="914400" eaLnBrk="1" fontAlgn="base" latinLnBrk="0" hangingPunct="1">
+              <a:lnSpc>
+                <a:spcPct val="100000"/>
+              </a:lnSpc>
+              <a:spcBef>
+                <a:spcPct val="50000"/>
+              </a:spcBef>
+              <a:spcAft>
+                <a:spcPct val="0"/>
+              </a:spcAft>
+              <a:buClr>
+                <a:srgbClr val="F0AB00"/>
+              </a:buClr>
+              <a:buSzPct val="80000"/>
+              <a:tabLst/>
+            </a:pPr>
+            <a:endParaRPr kumimoji="0" lang="en-US" sz="2000" b="0" i="0" u="none" strike="noStrike" kern="0" cap="none" spc="0" normalizeH="0" baseline="0" noProof="0" dirty="0" err="1" smtClean="0">
+              <a:ln>
+                <a:noFill/>
+              </a:ln>
+              <a:effectLst/>
+              <a:uLnTx/>
+              <a:uFillTx/>
+              <a:ea typeface="Arial Unicode MS" pitchFamily="34" charset="-128"/>
+              <a:cs typeface="Arial Unicode MS" pitchFamily="34" charset="-128"/>
+            </a:endParaRPr>
+          </a:p>
+        </p:txBody>
+      </p:sp>
+      <p:sp>
+        <p:nvSpPr>
+          <p:cNvPr id="26" name="Down Arrow 25"/>
+          <p:cNvSpPr/>
+          <p:nvPr/>
+        </p:nvSpPr>
+        <p:spPr bwMode="gray">
+          <a:xfrm>
+            <a:off x="1972460" y="3610080"/>
+            <a:ext cx="161304" cy="236719"/>
+          </a:xfrm>
+          <a:prstGeom prst="downArrow">
+            <a:avLst/>
+          </a:prstGeom>
+          <a:solidFill>
+            <a:schemeClr val="accent1"/>
+          </a:solidFill>
+          <a:ln w="6350" algn="ctr">
+            <a:noFill/>
+            <a:miter lim="800000"/>
+            <a:headEnd/>
+            <a:tailEnd/>
+          </a:ln>
+        </p:spPr>
+        <p:txBody>
+          <a:bodyPr lIns="90000" tIns="72000" rIns="90000" bIns="72000" rtlCol="0" anchor="ctr"/>
+          <a:lstStyle/>
+          <a:p>
+            <a:pPr marR="0" algn="ctr" defTabSz="914400" eaLnBrk="1" fontAlgn="base" latinLnBrk="0" hangingPunct="1">
+              <a:lnSpc>
+                <a:spcPct val="100000"/>
+              </a:lnSpc>
+              <a:spcBef>
+                <a:spcPct val="50000"/>
+              </a:spcBef>
+              <a:spcAft>
+                <a:spcPct val="0"/>
+              </a:spcAft>
+              <a:buClr>
+                <a:srgbClr val="F0AB00"/>
+              </a:buClr>
+              <a:buSzPct val="80000"/>
+              <a:tabLst/>
+            </a:pPr>
+            <a:endParaRPr kumimoji="0" lang="en-US" sz="2000" b="0" i="0" u="none" strike="noStrike" kern="0" cap="none" spc="0" normalizeH="0" baseline="0" noProof="0" dirty="0" err="1" smtClean="0">
+              <a:ln>
+                <a:noFill/>
+              </a:ln>
+              <a:effectLst/>
+              <a:uLnTx/>
+              <a:uFillTx/>
+              <a:ea typeface="Arial Unicode MS" pitchFamily="34" charset="-128"/>
+              <a:cs typeface="Arial Unicode MS" pitchFamily="34" charset="-128"/>
+            </a:endParaRPr>
+          </a:p>
+        </p:txBody>
+      </p:sp>
+      <p:sp>
+        <p:nvSpPr>
+          <p:cNvPr id="28" name="Down Arrow 27"/>
+          <p:cNvSpPr/>
+          <p:nvPr/>
+        </p:nvSpPr>
+        <p:spPr bwMode="gray">
+          <a:xfrm>
+            <a:off x="1957593" y="4395965"/>
+            <a:ext cx="161304" cy="236719"/>
+          </a:xfrm>
+          <a:prstGeom prst="downArrow">
+            <a:avLst/>
+          </a:prstGeom>
+          <a:solidFill>
+            <a:schemeClr val="accent1"/>
+          </a:solidFill>
+          <a:ln w="6350" algn="ctr">
+            <a:noFill/>
+            <a:miter lim="800000"/>
+            <a:headEnd/>
+            <a:tailEnd/>
+          </a:ln>
+        </p:spPr>
+        <p:txBody>
+          <a:bodyPr lIns="90000" tIns="72000" rIns="90000" bIns="72000" rtlCol="0" anchor="ctr"/>
+          <a:lstStyle/>
+          <a:p>
+            <a:pPr marR="0" algn="ctr" defTabSz="914400" eaLnBrk="1" fontAlgn="base" latinLnBrk="0" hangingPunct="1">
+              <a:lnSpc>
+                <a:spcPct val="100000"/>
+              </a:lnSpc>
+              <a:spcBef>
+                <a:spcPct val="50000"/>
+              </a:spcBef>
+              <a:spcAft>
+                <a:spcPct val="0"/>
+              </a:spcAft>
+              <a:buClr>
+                <a:srgbClr val="F0AB00"/>
+              </a:buClr>
+              <a:buSzPct val="80000"/>
+              <a:tabLst/>
+            </a:pPr>
+            <a:endParaRPr kumimoji="0" lang="en-US" sz="2000" b="0" i="0" u="none" strike="noStrike" kern="0" cap="none" spc="0" normalizeH="0" baseline="0" noProof="0" dirty="0" err="1" smtClean="0">
+              <a:ln>
+                <a:noFill/>
+              </a:ln>
+              <a:effectLst/>
+              <a:uLnTx/>
+              <a:uFillTx/>
+              <a:ea typeface="Arial Unicode MS" pitchFamily="34" charset="-128"/>
+              <a:cs typeface="Arial Unicode MS" pitchFamily="34" charset="-128"/>
+            </a:endParaRPr>
+          </a:p>
+        </p:txBody>
+      </p:sp>
+      <p:sp>
+        <p:nvSpPr>
+          <p:cNvPr id="29" name="Down Arrow 28"/>
+          <p:cNvSpPr/>
+          <p:nvPr/>
+        </p:nvSpPr>
+        <p:spPr bwMode="gray">
+          <a:xfrm>
+            <a:off x="1951008" y="5166457"/>
+            <a:ext cx="161304" cy="236719"/>
+          </a:xfrm>
+          <a:prstGeom prst="downArrow">
+            <a:avLst/>
+          </a:prstGeom>
+          <a:solidFill>
+            <a:schemeClr val="accent1"/>
+          </a:solidFill>
+          <a:ln w="6350" algn="ctr">
+            <a:noFill/>
+            <a:miter lim="800000"/>
+            <a:headEnd/>
+            <a:tailEnd/>
+          </a:ln>
+        </p:spPr>
+        <p:txBody>
+          <a:bodyPr lIns="90000" tIns="72000" rIns="90000" bIns="72000" rtlCol="0" anchor="ctr"/>
+          <a:lstStyle/>
+          <a:p>
+            <a:pPr marR="0" algn="ctr" defTabSz="914400" eaLnBrk="1" fontAlgn="base" latinLnBrk="0" hangingPunct="1">
+              <a:lnSpc>
+                <a:spcPct val="100000"/>
+              </a:lnSpc>
+              <a:spcBef>
+                <a:spcPct val="50000"/>
+              </a:spcBef>
+              <a:spcAft>
+                <a:spcPct val="0"/>
+              </a:spcAft>
+              <a:buClr>
+                <a:srgbClr val="F0AB00"/>
+              </a:buClr>
+              <a:buSzPct val="80000"/>
+              <a:tabLst/>
+            </a:pPr>
+            <a:endParaRPr kumimoji="0" lang="en-US" sz="2000" b="0" i="0" u="none" strike="noStrike" kern="0" cap="none" spc="0" normalizeH="0" baseline="0" noProof="0" dirty="0" err="1" smtClean="0">
+              <a:ln>
+                <a:noFill/>
+              </a:ln>
+              <a:effectLst/>
+              <a:uLnTx/>
+              <a:uFillTx/>
+              <a:ea typeface="Arial Unicode MS" pitchFamily="34" charset="-128"/>
+              <a:cs typeface="Arial Unicode MS" pitchFamily="34" charset="-128"/>
+            </a:endParaRPr>
+          </a:p>
+        </p:txBody>
+      </p:sp>
+      <p:cxnSp>
+        <p:nvCxnSpPr>
+          <p:cNvPr id="30" name="Straight Arrow Connector 29"/>
+          <p:cNvCxnSpPr/>
+          <p:nvPr/>
+        </p:nvCxnSpPr>
+        <p:spPr>
+          <a:xfrm>
+            <a:off x="2942872" y="3316394"/>
+            <a:ext cx="1159790" cy="20743"/>
+          </a:xfrm>
+          <a:prstGeom prst="straightConnector1">
+            <a:avLst/>
+          </a:prstGeom>
+          <a:ln w="6350">
+            <a:solidFill>
+              <a:schemeClr val="tx1"/>
+            </a:solidFill>
+            <a:tailEnd type="triangle"/>
+          </a:ln>
+        </p:spPr>
+        <p:style>
+          <a:lnRef idx="1">
+            <a:schemeClr val="accent1"/>
+          </a:lnRef>
+          <a:fillRef idx="0">
+            <a:schemeClr val="accent1"/>
+          </a:fillRef>
+          <a:effectRef idx="0">
+            <a:schemeClr val="accent1"/>
+          </a:effectRef>
+          <a:fontRef idx="minor">
+            <a:schemeClr val="tx1"/>
+          </a:fontRef>
+        </p:style>
+      </p:cxnSp>
+      <p:cxnSp>
+        <p:nvCxnSpPr>
+          <p:cNvPr id="32" name="Straight Arrow Connector 31"/>
+          <p:cNvCxnSpPr/>
+          <p:nvPr/>
+        </p:nvCxnSpPr>
+        <p:spPr>
+          <a:xfrm>
+            <a:off x="2903750" y="4097857"/>
+            <a:ext cx="1159790" cy="20743"/>
+          </a:xfrm>
+          <a:prstGeom prst="straightConnector1">
+            <a:avLst/>
+          </a:prstGeom>
+          <a:ln w="6350">
+            <a:solidFill>
+              <a:schemeClr val="tx1"/>
+            </a:solidFill>
+            <a:tailEnd type="triangle"/>
+          </a:ln>
+        </p:spPr>
+        <p:style>
+          <a:lnRef idx="1">
+            <a:schemeClr val="accent1"/>
+          </a:lnRef>
+          <a:fillRef idx="0">
+            <a:schemeClr val="accent1"/>
+          </a:fillRef>
+          <a:effectRef idx="0">
+            <a:schemeClr val="accent1"/>
+          </a:effectRef>
+          <a:fontRef idx="minor">
+            <a:schemeClr val="tx1"/>
+          </a:fontRef>
+        </p:style>
+      </p:cxnSp>
+      <p:cxnSp>
+        <p:nvCxnSpPr>
+          <p:cNvPr id="33" name="Straight Arrow Connector 32"/>
+          <p:cNvCxnSpPr/>
+          <p:nvPr/>
+        </p:nvCxnSpPr>
+        <p:spPr>
+          <a:xfrm>
+            <a:off x="2917646" y="4851014"/>
+            <a:ext cx="1159790" cy="20743"/>
+          </a:xfrm>
+          <a:prstGeom prst="straightConnector1">
+            <a:avLst/>
+          </a:prstGeom>
+          <a:ln w="6350">
+            <a:solidFill>
+              <a:schemeClr val="tx1"/>
+            </a:solidFill>
+            <a:tailEnd type="triangle"/>
+          </a:ln>
+        </p:spPr>
+        <p:style>
+          <a:lnRef idx="1">
+            <a:schemeClr val="accent1"/>
+          </a:lnRef>
+          <a:fillRef idx="0">
+            <a:schemeClr val="accent1"/>
+          </a:fillRef>
+          <a:effectRef idx="0">
+            <a:schemeClr val="accent1"/>
+          </a:effectRef>
+          <a:fontRef idx="minor">
+            <a:schemeClr val="tx1"/>
+          </a:fontRef>
+        </p:style>
+      </p:cxnSp>
+      <p:cxnSp>
+        <p:nvCxnSpPr>
+          <p:cNvPr id="34" name="Straight Arrow Connector 33"/>
+          <p:cNvCxnSpPr/>
+          <p:nvPr/>
+        </p:nvCxnSpPr>
+        <p:spPr>
+          <a:xfrm>
+            <a:off x="2953517" y="5687152"/>
+            <a:ext cx="1159790" cy="20743"/>
+          </a:xfrm>
+          <a:prstGeom prst="straightConnector1">
+            <a:avLst/>
+          </a:prstGeom>
+          <a:ln w="6350">
+            <a:solidFill>
+              <a:schemeClr val="tx1"/>
+            </a:solidFill>
+            <a:tailEnd type="triangle"/>
+          </a:ln>
+        </p:spPr>
+        <p:style>
+          <a:lnRef idx="1">
+            <a:schemeClr val="accent1"/>
+          </a:lnRef>
+          <a:fillRef idx="0">
+            <a:schemeClr val="accent1"/>
+          </a:fillRef>
+          <a:effectRef idx="0">
+            <a:schemeClr val="accent1"/>
+          </a:effectRef>
+          <a:fontRef idx="minor">
+            <a:schemeClr val="tx1"/>
+          </a:fontRef>
+        </p:style>
+      </p:cxnSp>
+      <p:cxnSp>
+        <p:nvCxnSpPr>
+          <p:cNvPr id="35" name="Straight Arrow Connector 34"/>
+          <p:cNvCxnSpPr/>
+          <p:nvPr/>
+        </p:nvCxnSpPr>
+        <p:spPr>
+          <a:xfrm>
+            <a:off x="5977984" y="2670202"/>
+            <a:ext cx="1068149" cy="0"/>
+          </a:xfrm>
+          <a:prstGeom prst="straightConnector1">
+            <a:avLst/>
+          </a:prstGeom>
+          <a:ln w="6350">
+            <a:solidFill>
+              <a:schemeClr val="tx1"/>
+            </a:solidFill>
+            <a:tailEnd type="triangle"/>
+          </a:ln>
+        </p:spPr>
+        <p:style>
+          <a:lnRef idx="1">
+            <a:schemeClr val="accent1"/>
+          </a:lnRef>
+          <a:fillRef idx="0">
+            <a:schemeClr val="accent1"/>
+          </a:fillRef>
+          <a:effectRef idx="0">
+            <a:schemeClr val="accent1"/>
+          </a:effectRef>
+          <a:fontRef idx="minor">
+            <a:schemeClr val="tx1"/>
+          </a:fontRef>
+        </p:style>
+      </p:cxnSp>
+      <p:cxnSp>
+        <p:nvCxnSpPr>
+          <p:cNvPr id="36" name="Straight Arrow Connector 35"/>
+          <p:cNvCxnSpPr/>
+          <p:nvPr/>
+        </p:nvCxnSpPr>
+        <p:spPr>
+          <a:xfrm>
+            <a:off x="5977984" y="3283856"/>
+            <a:ext cx="1068149" cy="0"/>
+          </a:xfrm>
+          <a:prstGeom prst="straightConnector1">
+            <a:avLst/>
+          </a:prstGeom>
+          <a:ln w="6350">
+            <a:solidFill>
+              <a:schemeClr val="tx1"/>
+            </a:solidFill>
+            <a:tailEnd type="triangle"/>
+          </a:ln>
+        </p:spPr>
+        <p:style>
+          <a:lnRef idx="1">
+            <a:schemeClr val="accent1"/>
+          </a:lnRef>
+          <a:fillRef idx="0">
+            <a:schemeClr val="accent1"/>
+          </a:fillRef>
+          <a:effectRef idx="0">
+            <a:schemeClr val="accent1"/>
+          </a:effectRef>
+          <a:fontRef idx="minor">
+            <a:schemeClr val="tx1"/>
+          </a:fontRef>
+        </p:style>
+      </p:cxnSp>
+      <p:cxnSp>
+        <p:nvCxnSpPr>
+          <p:cNvPr id="40" name="Straight Arrow Connector 39"/>
+          <p:cNvCxnSpPr/>
+          <p:nvPr/>
+        </p:nvCxnSpPr>
+        <p:spPr>
+          <a:xfrm>
+            <a:off x="6096600" y="4871757"/>
+            <a:ext cx="1068149" cy="0"/>
+          </a:xfrm>
+          <a:prstGeom prst="straightConnector1">
+            <a:avLst/>
+          </a:prstGeom>
+          <a:ln w="6350">
+            <a:solidFill>
+              <a:schemeClr val="tx1"/>
+            </a:solidFill>
+            <a:tailEnd type="triangle"/>
+          </a:ln>
+        </p:spPr>
+        <p:style>
+          <a:lnRef idx="1">
+            <a:schemeClr val="accent1"/>
+          </a:lnRef>
+          <a:fillRef idx="0">
+            <a:schemeClr val="accent1"/>
+          </a:fillRef>
+          <a:effectRef idx="0">
+            <a:schemeClr val="accent1"/>
+          </a:effectRef>
+          <a:fontRef idx="minor">
+            <a:schemeClr val="tx1"/>
+          </a:fontRef>
+        </p:style>
+      </p:cxnSp>
+      <p:cxnSp>
+        <p:nvCxnSpPr>
+          <p:cNvPr id="41" name="Straight Arrow Connector 40"/>
+          <p:cNvCxnSpPr/>
+          <p:nvPr/>
+        </p:nvCxnSpPr>
+        <p:spPr>
+          <a:xfrm>
+            <a:off x="6096600" y="5697523"/>
+            <a:ext cx="1068149" cy="0"/>
+          </a:xfrm>
+          <a:prstGeom prst="straightConnector1">
+            <a:avLst/>
+          </a:prstGeom>
+          <a:ln w="6350">
+            <a:solidFill>
+              <a:schemeClr val="tx1"/>
+            </a:solidFill>
+            <a:tailEnd type="triangle"/>
+          </a:ln>
+        </p:spPr>
+        <p:style>
+          <a:lnRef idx="1">
+            <a:schemeClr val="accent1"/>
+          </a:lnRef>
+          <a:fillRef idx="0">
+            <a:schemeClr val="accent1"/>
+          </a:fillRef>
+          <a:effectRef idx="0">
+            <a:schemeClr val="accent1"/>
+          </a:effectRef>
+          <a:fontRef idx="minor">
+            <a:schemeClr val="tx1"/>
+          </a:fontRef>
+        </p:style>
+      </p:cxnSp>
     </p:spTree>
     <p:extLst>
       <p:ext uri="{BB962C8B-B14F-4D97-AF65-F5344CB8AC3E}">
@@ -10107,6 +10058,13 @@
   <p:clrMapOvr>
     <a:masterClrMapping/>
   </p:clrMapOvr>
+  <p:timing>
+    <p:tnLst>
+      <p:par>
+        <p:cTn id="1" dur="indefinite" restart="never" nodeType="tmRoot"/>
+      </p:par>
+    </p:tnLst>
+  </p:timing>
 </p:sld>
 </file>
 
@@ -10142,7 +10100,19 @@
           <a:bodyPr/>
           <a:lstStyle/>
           <a:p>
-            <a:endParaRPr lang="en-US"/>
+            <a:r>
+              <a:rPr lang="en-US" dirty="0" smtClean="0"/>
+              <a:t>Reporting approach for explain revenue of value </a:t>
+            </a:r>
+            <a:r>
+              <a:rPr lang="en-US" dirty="0"/>
+              <a:t>c</a:t>
+            </a:r>
+            <a:r>
+              <a:rPr lang="en-US" dirty="0" smtClean="0"/>
+              <a:t>ontract</a:t>
+            </a:r>
+            <a:endParaRPr lang="en-US" dirty="0"/>
           </a:p>
         </p:txBody>
       </p:sp>
@@ -11155,7 +11125,7 @@
           <p:nvPr>
             <p:extLst>
               <p:ext uri="{D42A27DB-BD31-4B8C-83A1-F6EECF244321}">
-                <p14:modId xmlns:p14="http://schemas.microsoft.com/office/powerpoint/2010/main" val="544411145"/>
+                <p14:modId xmlns:p14="http://schemas.microsoft.com/office/powerpoint/2010/main" val="991642856"/>
               </p:ext>
             </p:extLst>
           </p:nvPr>
@@ -11612,7 +11582,7 @@
                     <a:p>
                       <a:r>
                         <a:rPr lang="en-US" sz="1200" dirty="0" smtClean="0"/>
-                        <a:t>Material#3</a:t>
+                        <a:t>Material #3</a:t>
                       </a:r>
                       <a:endParaRPr lang="en-US" sz="1200" dirty="0"/>
                     </a:p>
@@ -11678,7 +11648,7 @@
         </p:nvSpPr>
         <p:spPr bwMode="gray">
           <a:xfrm>
-            <a:off x="5667799" y="1222700"/>
+            <a:off x="6088583" y="1295528"/>
             <a:ext cx="2898300" cy="923148"/>
           </a:xfrm>
           <a:prstGeom prst="rect">
@@ -11744,7 +11714,7 @@
         </p:nvSpPr>
         <p:spPr bwMode="gray">
           <a:xfrm>
-            <a:off x="5663078" y="3554977"/>
+            <a:off x="5292639" y="3543918"/>
             <a:ext cx="1449826" cy="1623925"/>
           </a:xfrm>
           <a:prstGeom prst="rect">
@@ -11783,13 +11753,13 @@
               <a:tabLst/>
             </a:pPr>
             <a:r>
-              <a:rPr lang="en-US" sz="1200" kern="0" noProof="0" dirty="0" smtClean="0">
+              <a:rPr lang="en-US" sz="1000" kern="0" noProof="0" dirty="0" smtClean="0">
                 <a:ea typeface="Arial Unicode MS" pitchFamily="34" charset="-128"/>
                 <a:cs typeface="Arial Unicode MS" pitchFamily="34" charset="-128"/>
               </a:rPr>
               <a:t>FARR_D_FUFILLMENT</a:t>
             </a:r>
-            <a:endParaRPr kumimoji="0" lang="en-US" sz="1200" b="0" i="0" u="none" strike="noStrike" kern="0" cap="none" spc="0" normalizeH="0" baseline="0" noProof="0" dirty="0" smtClean="0">
+            <a:endParaRPr kumimoji="0" lang="en-US" sz="1000" b="0" i="0" u="none" strike="noStrike" kern="0" cap="none" spc="0" normalizeH="0" baseline="0" noProof="0" dirty="0" smtClean="0">
               <a:ln>
                 <a:noFill/>
               </a:ln>
@@ -11811,13 +11781,13 @@
           <p:nvPr>
             <p:extLst>
               <p:ext uri="{D42A27DB-BD31-4B8C-83A1-F6EECF244321}">
-                <p14:modId xmlns:p14="http://schemas.microsoft.com/office/powerpoint/2010/main" val="2301575129"/>
+                <p14:modId xmlns:p14="http://schemas.microsoft.com/office/powerpoint/2010/main" val="995628298"/>
               </p:ext>
             </p:extLst>
           </p:nvPr>
         </p:nvGraphicFramePr>
         <p:xfrm>
-          <a:off x="5875494" y="3981283"/>
+          <a:off x="5505055" y="3970224"/>
           <a:ext cx="942721" cy="1097280"/>
         </p:xfrm>
         <a:graphic>
@@ -12090,13 +12060,13 @@
           <p:nvPr>
             <p:extLst>
               <p:ext uri="{D42A27DB-BD31-4B8C-83A1-F6EECF244321}">
-                <p14:modId xmlns:p14="http://schemas.microsoft.com/office/powerpoint/2010/main" val="1975924299"/>
+                <p14:modId xmlns:p14="http://schemas.microsoft.com/office/powerpoint/2010/main" val="4044867152"/>
               </p:ext>
             </p:extLst>
           </p:nvPr>
         </p:nvGraphicFramePr>
         <p:xfrm>
-          <a:off x="5757485" y="1485414"/>
+          <a:off x="6178269" y="1558242"/>
           <a:ext cx="2622498" cy="548640"/>
         </p:xfrm>
         <a:graphic>
@@ -12490,7 +12460,7 @@
         </p:nvSpPr>
         <p:spPr bwMode="gray">
           <a:xfrm>
-            <a:off x="5667799" y="2285393"/>
+            <a:off x="6072399" y="2439141"/>
             <a:ext cx="2637999" cy="906309"/>
           </a:xfrm>
           <a:prstGeom prst="rect">
@@ -12557,13 +12527,13 @@
           <p:nvPr>
             <p:extLst>
               <p:ext uri="{D42A27DB-BD31-4B8C-83A1-F6EECF244321}">
-                <p14:modId xmlns:p14="http://schemas.microsoft.com/office/powerpoint/2010/main" val="3608343746"/>
+                <p14:modId xmlns:p14="http://schemas.microsoft.com/office/powerpoint/2010/main" val="2386450484"/>
               </p:ext>
             </p:extLst>
           </p:nvPr>
         </p:nvGraphicFramePr>
         <p:xfrm>
-          <a:off x="5757485" y="2580541"/>
+          <a:off x="6162085" y="2734289"/>
           <a:ext cx="2395239" cy="548640"/>
         </p:xfrm>
         <a:graphic>
@@ -12957,7 +12927,7 @@
         </p:nvSpPr>
         <p:spPr bwMode="gray">
           <a:xfrm>
-            <a:off x="7257208" y="3569567"/>
+            <a:off x="7246757" y="3562270"/>
             <a:ext cx="1757322" cy="1139998"/>
           </a:xfrm>
           <a:prstGeom prst="rect">
@@ -13024,14 +12994,14 @@
           <p:nvPr>
             <p:extLst>
               <p:ext uri="{D42A27DB-BD31-4B8C-83A1-F6EECF244321}">
-                <p14:modId xmlns:p14="http://schemas.microsoft.com/office/powerpoint/2010/main" val="3705205230"/>
+                <p14:modId xmlns:p14="http://schemas.microsoft.com/office/powerpoint/2010/main" val="3184016988"/>
               </p:ext>
             </p:extLst>
           </p:nvPr>
         </p:nvGraphicFramePr>
         <p:xfrm>
           <a:off x="7325321" y="3877705"/>
-          <a:ext cx="1530742" cy="731520"/>
+          <a:ext cx="1600194" cy="756573"/>
         </p:xfrm>
         <a:graphic>
           <a:graphicData uri="http://schemas.openxmlformats.org/drawingml/2006/table">
@@ -13040,10 +13010,10 @@
                 <a:tableStyleId>{3C2FFA5D-87B4-456A-9821-1D502468CF0F}</a:tableStyleId>
               </a:tblPr>
               <a:tblGrid>
-                <a:gridCol w="765371"/>
-                <a:gridCol w="765371"/>
+                <a:gridCol w="800097"/>
+                <a:gridCol w="800097"/>
               </a:tblGrid>
-              <a:tr h="226576">
+              <a:tr h="419122">
                 <a:tc>
                   <a:txBody>
                     <a:bodyPr/>
@@ -13169,7 +13139,7 @@
                   </a:tcPr>
                 </a:tc>
               </a:tr>
-              <a:tr h="135946">
+              <a:tr h="299373">
                 <a:tc>
                   <a:txBody>
                     <a:bodyPr/>
@@ -13304,7 +13274,7 @@
         <p:spPr bwMode="gray">
           <a:xfrm>
             <a:off x="4130984" y="1396618"/>
-            <a:ext cx="1335864" cy="572407"/>
+            <a:ext cx="1532094" cy="572407"/>
           </a:xfrm>
           <a:prstGeom prst="rect">
             <a:avLst/>
@@ -13342,26 +13312,26 @@
               <a:tabLst/>
             </a:pPr>
             <a:r>
-              <a:rPr lang="en-US" sz="1400" kern="0" dirty="0" smtClean="0">
+              <a:rPr lang="en-US" sz="1000" kern="0" dirty="0" smtClean="0">
                 <a:ea typeface="Arial Unicode MS" pitchFamily="34" charset="-128"/>
                 <a:cs typeface="Arial Unicode MS" pitchFamily="34" charset="-128"/>
               </a:rPr>
               <a:t>Mapping table</a:t>
             </a:r>
             <a:br>
-              <a:rPr lang="en-US" sz="1400" kern="0" dirty="0" smtClean="0">
+              <a:rPr lang="en-US" sz="1000" kern="0" dirty="0" smtClean="0">
                 <a:ea typeface="Arial Unicode MS" pitchFamily="34" charset="-128"/>
                 <a:cs typeface="Arial Unicode MS" pitchFamily="34" charset="-128"/>
               </a:rPr>
             </a:br>
             <a:r>
-              <a:rPr lang="en-US" sz="1400" kern="0" dirty="0" smtClean="0">
+              <a:rPr lang="en-US" sz="1000" kern="0" dirty="0" smtClean="0">
                 <a:ea typeface="Arial Unicode MS" pitchFamily="34" charset="-128"/>
                 <a:cs typeface="Arial Unicode MS" pitchFamily="34" charset="-128"/>
               </a:rPr>
               <a:t>FARR_D_MAPPING</a:t>
             </a:r>
-            <a:endParaRPr kumimoji="0" lang="en-US" sz="1400" b="0" i="0" u="none" strike="noStrike" kern="0" cap="none" spc="0" normalizeH="0" baseline="0" noProof="0" dirty="0" err="1" smtClean="0">
+            <a:endParaRPr kumimoji="0" lang="en-US" sz="1000" b="0" i="0" u="none" strike="noStrike" kern="0" cap="none" spc="0" normalizeH="0" baseline="0" noProof="0" dirty="0" err="1" smtClean="0">
               <a:ln>
                 <a:noFill/>
               </a:ln>
@@ -13382,8 +13352,8 @@
         </p:nvSpPr>
         <p:spPr bwMode="gray">
           <a:xfrm>
-            <a:off x="3980603" y="2486505"/>
-            <a:ext cx="1335864" cy="572407"/>
+            <a:off x="4095918" y="2475797"/>
+            <a:ext cx="1567159" cy="572407"/>
           </a:xfrm>
           <a:prstGeom prst="rect">
             <a:avLst/>
@@ -13421,13 +13391,26 @@
               <a:tabLst/>
             </a:pPr>
             <a:r>
-              <a:rPr lang="en-US" sz="1400" kern="0" dirty="0" smtClean="0">
+              <a:rPr lang="en-US" sz="1000" kern="0" dirty="0" smtClean="0">
                 <a:ea typeface="Arial Unicode MS" pitchFamily="34" charset="-128"/>
                 <a:cs typeface="Arial Unicode MS" pitchFamily="34" charset="-128"/>
               </a:rPr>
               <a:t>Mapping table</a:t>
             </a:r>
-            <a:endParaRPr kumimoji="0" lang="en-US" sz="1400" b="0" i="0" u="none" strike="noStrike" kern="0" cap="none" spc="0" normalizeH="0" baseline="0" noProof="0" dirty="0" err="1" smtClean="0">
+            <a:br>
+              <a:rPr lang="en-US" sz="1000" kern="0" dirty="0" smtClean="0">
+                <a:ea typeface="Arial Unicode MS" pitchFamily="34" charset="-128"/>
+                <a:cs typeface="Arial Unicode MS" pitchFamily="34" charset="-128"/>
+              </a:rPr>
+            </a:br>
+            <a:r>
+              <a:rPr lang="en-US" sz="1000" kern="0" dirty="0" smtClean="0">
+                <a:ea typeface="Arial Unicode MS" pitchFamily="34" charset="-128"/>
+                <a:cs typeface="Arial Unicode MS" pitchFamily="34" charset="-128"/>
+              </a:rPr>
+              <a:t>FARR_D_MAPPING</a:t>
+            </a:r>
+            <a:endParaRPr kumimoji="0" lang="en-US" sz="1000" b="0" i="0" u="none" strike="noStrike" kern="0" cap="none" spc="0" normalizeH="0" baseline="0" noProof="0" dirty="0" err="1" smtClean="0">
               <a:ln>
                 <a:noFill/>
               </a:ln>
@@ -13440,6 +13423,647 @@
           </a:p>
         </p:txBody>
       </p:sp>
+      <p:sp>
+        <p:nvSpPr>
+          <p:cNvPr id="34" name="Rectangle 33"/>
+          <p:cNvSpPr/>
+          <p:nvPr/>
+        </p:nvSpPr>
+        <p:spPr bwMode="gray">
+          <a:xfrm>
+            <a:off x="9382276" y="2525370"/>
+            <a:ext cx="2362406" cy="1196642"/>
+          </a:xfrm>
+          <a:prstGeom prst="rect">
+            <a:avLst/>
+          </a:prstGeom>
+          <a:solidFill>
+            <a:schemeClr val="accent1"/>
+          </a:solidFill>
+          <a:ln w="6350" algn="ctr">
+            <a:solidFill>
+              <a:schemeClr val="tx1"/>
+            </a:solidFill>
+            <a:miter lim="800000"/>
+            <a:headEnd/>
+            <a:tailEnd/>
+          </a:ln>
+        </p:spPr>
+        <p:txBody>
+          <a:bodyPr lIns="90000" tIns="72000" rIns="90000" bIns="72000" rtlCol="0" anchor="t"/>
+          <a:lstStyle/>
+          <a:p>
+            <a:pPr marR="0" defTabSz="914400" eaLnBrk="1" fontAlgn="base" latinLnBrk="0" hangingPunct="1">
+              <a:lnSpc>
+                <a:spcPct val="100000"/>
+              </a:lnSpc>
+              <a:spcBef>
+                <a:spcPct val="50000"/>
+              </a:spcBef>
+              <a:spcAft>
+                <a:spcPct val="0"/>
+              </a:spcAft>
+              <a:buClr>
+                <a:srgbClr val="F0AB00"/>
+              </a:buClr>
+              <a:buSzPct val="80000"/>
+              <a:tabLst/>
+            </a:pPr>
+            <a:r>
+              <a:rPr lang="en-US" sz="1200" kern="0" noProof="0" dirty="0" smtClean="0">
+                <a:ea typeface="Arial Unicode MS" pitchFamily="34" charset="-128"/>
+                <a:cs typeface="Arial Unicode MS" pitchFamily="34" charset="-128"/>
+              </a:rPr>
+              <a:t>FARR_D_POSTING</a:t>
+            </a:r>
+            <a:endParaRPr kumimoji="0" lang="en-US" sz="1200" b="0" i="0" u="none" strike="noStrike" kern="0" cap="none" spc="0" normalizeH="0" baseline="0" noProof="0" dirty="0" smtClean="0">
+              <a:ln>
+                <a:noFill/>
+              </a:ln>
+              <a:effectLst/>
+              <a:uLnTx/>
+              <a:uFillTx/>
+              <a:ea typeface="Arial Unicode MS" pitchFamily="34" charset="-128"/>
+              <a:cs typeface="Arial Unicode MS" pitchFamily="34" charset="-128"/>
+            </a:endParaRPr>
+          </a:p>
+        </p:txBody>
+      </p:sp>
+      <p:graphicFrame>
+        <p:nvGraphicFramePr>
+          <p:cNvPr id="35" name="Table 34"/>
+          <p:cNvGraphicFramePr>
+            <a:graphicFrameLocks noGrp="1"/>
+          </p:cNvGraphicFramePr>
+          <p:nvPr>
+            <p:extLst>
+              <p:ext uri="{D42A27DB-BD31-4B8C-83A1-F6EECF244321}">
+                <p14:modId xmlns:p14="http://schemas.microsoft.com/office/powerpoint/2010/main" val="2045050269"/>
+              </p:ext>
+            </p:extLst>
+          </p:nvPr>
+        </p:nvGraphicFramePr>
+        <p:xfrm>
+          <a:off x="9652452" y="2842194"/>
+          <a:ext cx="1951526" cy="731520"/>
+        </p:xfrm>
+        <a:graphic>
+          <a:graphicData uri="http://schemas.openxmlformats.org/drawingml/2006/table">
+            <a:tbl>
+              <a:tblPr bandRow="1">
+                <a:tableStyleId>{3C2FFA5D-87B4-456A-9821-1D502468CF0F}</a:tableStyleId>
+              </a:tblPr>
+              <a:tblGrid>
+                <a:gridCol w="975763"/>
+                <a:gridCol w="975763"/>
+              </a:tblGrid>
+              <a:tr h="226576">
+                <a:tc>
+                  <a:txBody>
+                    <a:bodyPr/>
+                    <a:lstStyle/>
+                    <a:p>
+                      <a:r>
+                        <a:rPr lang="en-US" sz="1200" dirty="0" smtClean="0"/>
+                        <a:t>Posting</a:t>
+                      </a:r>
+                      <a:r>
+                        <a:rPr lang="en-US" sz="1200" baseline="0" dirty="0" smtClean="0"/>
+                        <a:t> Cat.</a:t>
+                      </a:r>
+                      <a:endParaRPr lang="en-US" sz="1200" dirty="0"/>
+                    </a:p>
+                  </a:txBody>
+                  <a:tcPr>
+                    <a:lnL w="12700" cap="flat" cmpd="sng" algn="ctr">
+                      <a:solidFill>
+                        <a:schemeClr val="tx1"/>
+                      </a:solidFill>
+                      <a:prstDash val="solid"/>
+                      <a:round/>
+                      <a:headEnd type="none" w="med" len="med"/>
+                      <a:tailEnd type="none" w="med" len="med"/>
+                    </a:lnL>
+                    <a:lnR w="12700" cap="flat" cmpd="sng" algn="ctr">
+                      <a:solidFill>
+                        <a:schemeClr val="tx1"/>
+                      </a:solidFill>
+                      <a:prstDash val="solid"/>
+                      <a:round/>
+                      <a:headEnd type="none" w="med" len="med"/>
+                      <a:tailEnd type="none" w="med" len="med"/>
+                    </a:lnR>
+                    <a:lnT w="12700" cap="flat" cmpd="sng" algn="ctr">
+                      <a:solidFill>
+                        <a:schemeClr val="tx1"/>
+                      </a:solidFill>
+                      <a:prstDash val="solid"/>
+                      <a:round/>
+                      <a:headEnd type="none" w="med" len="med"/>
+                      <a:tailEnd type="none" w="med" len="med"/>
+                    </a:lnT>
+                    <a:lnB w="12700" cap="flat" cmpd="sng" algn="ctr">
+                      <a:solidFill>
+                        <a:schemeClr val="tx1"/>
+                      </a:solidFill>
+                      <a:prstDash val="solid"/>
+                      <a:round/>
+                      <a:headEnd type="none" w="med" len="med"/>
+                      <a:tailEnd type="none" w="med" len="med"/>
+                    </a:lnB>
+                    <a:lnTlToBr w="12700" cmpd="sng">
+                      <a:noFill/>
+                      <a:prstDash val="solid"/>
+                    </a:lnTlToBr>
+                    <a:lnBlToTr w="12700" cmpd="sng">
+                      <a:noFill/>
+                      <a:prstDash val="solid"/>
+                    </a:lnBlToTr>
+                    <a:noFill/>
+                  </a:tcPr>
+                </a:tc>
+                <a:tc>
+                  <a:txBody>
+                    <a:bodyPr/>
+                    <a:lstStyle/>
+                    <a:p>
+                      <a:r>
+                        <a:rPr lang="en-US" altLang="zh-CN" sz="1200" dirty="0" smtClean="0"/>
+                        <a:t>Amount</a:t>
+                      </a:r>
+                      <a:endParaRPr lang="en-US" sz="1200" dirty="0"/>
+                    </a:p>
+                  </a:txBody>
+                  <a:tcPr>
+                    <a:lnL w="12700" cap="flat" cmpd="sng" algn="ctr">
+                      <a:solidFill>
+                        <a:schemeClr val="tx1"/>
+                      </a:solidFill>
+                      <a:prstDash val="solid"/>
+                      <a:round/>
+                      <a:headEnd type="none" w="med" len="med"/>
+                      <a:tailEnd type="none" w="med" len="med"/>
+                    </a:lnL>
+                    <a:lnR w="12700" cap="flat" cmpd="sng" algn="ctr">
+                      <a:solidFill>
+                        <a:schemeClr val="tx1"/>
+                      </a:solidFill>
+                      <a:prstDash val="solid"/>
+                      <a:round/>
+                      <a:headEnd type="none" w="med" len="med"/>
+                      <a:tailEnd type="none" w="med" len="med"/>
+                    </a:lnR>
+                    <a:lnT w="12700" cap="flat" cmpd="sng" algn="ctr">
+                      <a:solidFill>
+                        <a:schemeClr val="tx1"/>
+                      </a:solidFill>
+                      <a:prstDash val="solid"/>
+                      <a:round/>
+                      <a:headEnd type="none" w="med" len="med"/>
+                      <a:tailEnd type="none" w="med" len="med"/>
+                    </a:lnT>
+                    <a:lnB w="12700" cap="flat" cmpd="sng" algn="ctr">
+                      <a:solidFill>
+                        <a:schemeClr val="tx1"/>
+                      </a:solidFill>
+                      <a:prstDash val="solid"/>
+                      <a:round/>
+                      <a:headEnd type="none" w="med" len="med"/>
+                      <a:tailEnd type="none" w="med" len="med"/>
+                    </a:lnB>
+                    <a:lnTlToBr w="12700" cmpd="sng">
+                      <a:noFill/>
+                      <a:prstDash val="solid"/>
+                    </a:lnTlToBr>
+                    <a:lnBlToTr w="12700" cmpd="sng">
+                      <a:noFill/>
+                      <a:prstDash val="solid"/>
+                    </a:lnBlToTr>
+                    <a:noFill/>
+                  </a:tcPr>
+                </a:tc>
+              </a:tr>
+              <a:tr h="135946">
+                <a:tc>
+                  <a:txBody>
+                    <a:bodyPr/>
+                    <a:lstStyle/>
+                    <a:p>
+                      <a:r>
+                        <a:rPr lang="en-US" sz="1200" dirty="0" smtClean="0"/>
+                        <a:t>Revenue</a:t>
+                      </a:r>
+                      <a:endParaRPr lang="en-US" sz="1200" dirty="0"/>
+                    </a:p>
+                  </a:txBody>
+                  <a:tcPr>
+                    <a:lnL w="12700" cap="flat" cmpd="sng" algn="ctr">
+                      <a:solidFill>
+                        <a:schemeClr val="tx1"/>
+                      </a:solidFill>
+                      <a:prstDash val="solid"/>
+                      <a:round/>
+                      <a:headEnd type="none" w="med" len="med"/>
+                      <a:tailEnd type="none" w="med" len="med"/>
+                    </a:lnL>
+                    <a:lnR w="12700" cap="flat" cmpd="sng" algn="ctr">
+                      <a:solidFill>
+                        <a:schemeClr val="tx1"/>
+                      </a:solidFill>
+                      <a:prstDash val="solid"/>
+                      <a:round/>
+                      <a:headEnd type="none" w="med" len="med"/>
+                      <a:tailEnd type="none" w="med" len="med"/>
+                    </a:lnR>
+                    <a:lnT w="12700" cap="flat" cmpd="sng" algn="ctr">
+                      <a:solidFill>
+                        <a:schemeClr val="tx1"/>
+                      </a:solidFill>
+                      <a:prstDash val="solid"/>
+                      <a:round/>
+                      <a:headEnd type="none" w="med" len="med"/>
+                      <a:tailEnd type="none" w="med" len="med"/>
+                    </a:lnT>
+                    <a:lnB w="12700" cap="flat" cmpd="sng" algn="ctr">
+                      <a:solidFill>
+                        <a:schemeClr val="tx1"/>
+                      </a:solidFill>
+                      <a:prstDash val="solid"/>
+                      <a:round/>
+                      <a:headEnd type="none" w="med" len="med"/>
+                      <a:tailEnd type="none" w="med" len="med"/>
+                    </a:lnB>
+                    <a:lnTlToBr w="12700" cmpd="sng">
+                      <a:noFill/>
+                      <a:prstDash val="solid"/>
+                    </a:lnTlToBr>
+                    <a:lnBlToTr w="12700" cmpd="sng">
+                      <a:noFill/>
+                      <a:prstDash val="solid"/>
+                    </a:lnBlToTr>
+                    <a:noFill/>
+                  </a:tcPr>
+                </a:tc>
+                <a:tc>
+                  <a:txBody>
+                    <a:bodyPr/>
+                    <a:lstStyle/>
+                    <a:p>
+                      <a:r>
+                        <a:rPr lang="en-US" sz="1200" dirty="0" smtClean="0"/>
+                        <a:t>320</a:t>
+                      </a:r>
+                      <a:endParaRPr lang="en-US" sz="1200" dirty="0"/>
+                    </a:p>
+                  </a:txBody>
+                  <a:tcPr>
+                    <a:lnL w="12700" cap="flat" cmpd="sng" algn="ctr">
+                      <a:solidFill>
+                        <a:schemeClr val="tx1"/>
+                      </a:solidFill>
+                      <a:prstDash val="solid"/>
+                      <a:round/>
+                      <a:headEnd type="none" w="med" len="med"/>
+                      <a:tailEnd type="none" w="med" len="med"/>
+                    </a:lnL>
+                    <a:lnR w="12700" cap="flat" cmpd="sng" algn="ctr">
+                      <a:solidFill>
+                        <a:schemeClr val="tx1"/>
+                      </a:solidFill>
+                      <a:prstDash val="solid"/>
+                      <a:round/>
+                      <a:headEnd type="none" w="med" len="med"/>
+                      <a:tailEnd type="none" w="med" len="med"/>
+                    </a:lnR>
+                    <a:lnT w="12700" cap="flat" cmpd="sng" algn="ctr">
+                      <a:solidFill>
+                        <a:schemeClr val="tx1"/>
+                      </a:solidFill>
+                      <a:prstDash val="solid"/>
+                      <a:round/>
+                      <a:headEnd type="none" w="med" len="med"/>
+                      <a:tailEnd type="none" w="med" len="med"/>
+                    </a:lnT>
+                    <a:lnB w="12700" cap="flat" cmpd="sng" algn="ctr">
+                      <a:solidFill>
+                        <a:schemeClr val="tx1"/>
+                      </a:solidFill>
+                      <a:prstDash val="solid"/>
+                      <a:round/>
+                      <a:headEnd type="none" w="med" len="med"/>
+                      <a:tailEnd type="none" w="med" len="med"/>
+                    </a:lnB>
+                    <a:lnTlToBr w="12700" cmpd="sng">
+                      <a:noFill/>
+                      <a:prstDash val="solid"/>
+                    </a:lnTlToBr>
+                    <a:lnBlToTr w="12700" cmpd="sng">
+                      <a:noFill/>
+                      <a:prstDash val="solid"/>
+                    </a:lnBlToTr>
+                    <a:noFill/>
+                  </a:tcPr>
+                </a:tc>
+              </a:tr>
+            </a:tbl>
+          </a:graphicData>
+        </a:graphic>
+      </p:graphicFrame>
+      <p:sp>
+        <p:nvSpPr>
+          <p:cNvPr id="37" name="Rectangle 36"/>
+          <p:cNvSpPr/>
+          <p:nvPr/>
+        </p:nvSpPr>
+        <p:spPr bwMode="gray">
+          <a:xfrm>
+            <a:off x="3312338" y="3681041"/>
+            <a:ext cx="1567159" cy="572407"/>
+          </a:xfrm>
+          <a:prstGeom prst="rect">
+            <a:avLst/>
+          </a:prstGeom>
+          <a:solidFill>
+            <a:schemeClr val="accent1"/>
+          </a:solidFill>
+          <a:ln w="6350" algn="ctr">
+            <a:solidFill>
+              <a:schemeClr val="tx1"/>
+            </a:solidFill>
+            <a:miter lim="800000"/>
+            <a:headEnd/>
+            <a:tailEnd/>
+          </a:ln>
+        </p:spPr>
+        <p:txBody>
+          <a:bodyPr lIns="90000" tIns="72000" rIns="90000" bIns="72000" rtlCol="0" anchor="t"/>
+          <a:lstStyle/>
+          <a:p>
+            <a:pPr marR="0" defTabSz="914400" eaLnBrk="1" fontAlgn="base" latinLnBrk="0" hangingPunct="1">
+              <a:lnSpc>
+                <a:spcPct val="100000"/>
+              </a:lnSpc>
+              <a:spcBef>
+                <a:spcPct val="50000"/>
+              </a:spcBef>
+              <a:spcAft>
+                <a:spcPct val="0"/>
+              </a:spcAft>
+              <a:buClr>
+                <a:srgbClr val="F0AB00"/>
+              </a:buClr>
+              <a:buSzPct val="80000"/>
+              <a:tabLst/>
+            </a:pPr>
+            <a:r>
+              <a:rPr lang="en-US" sz="1000" kern="0" dirty="0" smtClean="0">
+                <a:ea typeface="Arial Unicode MS" pitchFamily="34" charset="-128"/>
+                <a:cs typeface="Arial Unicode MS" pitchFamily="34" charset="-128"/>
+              </a:rPr>
+              <a:t>Mapping table</a:t>
+            </a:r>
+            <a:br>
+              <a:rPr lang="en-US" sz="1000" kern="0" dirty="0" smtClean="0">
+                <a:ea typeface="Arial Unicode MS" pitchFamily="34" charset="-128"/>
+                <a:cs typeface="Arial Unicode MS" pitchFamily="34" charset="-128"/>
+              </a:rPr>
+            </a:br>
+            <a:r>
+              <a:rPr lang="en-US" sz="1000" kern="0" dirty="0" smtClean="0">
+                <a:ea typeface="Arial Unicode MS" pitchFamily="34" charset="-128"/>
+                <a:cs typeface="Arial Unicode MS" pitchFamily="34" charset="-128"/>
+              </a:rPr>
+              <a:t>FARR_D_MAPPING</a:t>
+            </a:r>
+            <a:endParaRPr kumimoji="0" lang="en-US" sz="1000" b="0" i="0" u="none" strike="noStrike" kern="0" cap="none" spc="0" normalizeH="0" baseline="0" noProof="0" dirty="0" err="1" smtClean="0">
+              <a:ln>
+                <a:noFill/>
+              </a:ln>
+              <a:effectLst/>
+              <a:uLnTx/>
+              <a:uFillTx/>
+              <a:ea typeface="Arial Unicode MS" pitchFamily="34" charset="-128"/>
+              <a:cs typeface="Arial Unicode MS" pitchFamily="34" charset="-128"/>
+            </a:endParaRPr>
+          </a:p>
+        </p:txBody>
+      </p:sp>
+      <p:cxnSp>
+        <p:nvCxnSpPr>
+          <p:cNvPr id="44" name="Straight Arrow Connector 43"/>
+          <p:cNvCxnSpPr/>
+          <p:nvPr/>
+        </p:nvCxnSpPr>
+        <p:spPr>
+          <a:xfrm flipH="1">
+            <a:off x="8925515" y="3455299"/>
+            <a:ext cx="726937" cy="1063565"/>
+          </a:xfrm>
+          <a:prstGeom prst="straightConnector1">
+            <a:avLst/>
+          </a:prstGeom>
+          <a:ln w="6350">
+            <a:solidFill>
+              <a:schemeClr val="tx1"/>
+            </a:solidFill>
+            <a:tailEnd type="triangle"/>
+          </a:ln>
+        </p:spPr>
+        <p:style>
+          <a:lnRef idx="1">
+            <a:schemeClr val="accent1"/>
+          </a:lnRef>
+          <a:fillRef idx="0">
+            <a:schemeClr val="accent1"/>
+          </a:fillRef>
+          <a:effectRef idx="0">
+            <a:schemeClr val="accent1"/>
+          </a:effectRef>
+          <a:fontRef idx="minor">
+            <a:schemeClr val="tx1"/>
+          </a:fontRef>
+        </p:style>
+      </p:cxnSp>
+      <p:cxnSp>
+        <p:nvCxnSpPr>
+          <p:cNvPr id="46" name="Straight Arrow Connector 45"/>
+          <p:cNvCxnSpPr/>
+          <p:nvPr/>
+        </p:nvCxnSpPr>
+        <p:spPr>
+          <a:xfrm flipH="1" flipV="1">
+            <a:off x="6456464" y="4370237"/>
+            <a:ext cx="790293" cy="48014"/>
+          </a:xfrm>
+          <a:prstGeom prst="straightConnector1">
+            <a:avLst/>
+          </a:prstGeom>
+          <a:ln w="6350">
+            <a:solidFill>
+              <a:schemeClr val="tx1"/>
+            </a:solidFill>
+            <a:tailEnd type="triangle"/>
+          </a:ln>
+        </p:spPr>
+        <p:style>
+          <a:lnRef idx="1">
+            <a:schemeClr val="accent1"/>
+          </a:lnRef>
+          <a:fillRef idx="0">
+            <a:schemeClr val="accent1"/>
+          </a:fillRef>
+          <a:effectRef idx="0">
+            <a:schemeClr val="accent1"/>
+          </a:effectRef>
+          <a:fontRef idx="minor">
+            <a:schemeClr val="tx1"/>
+          </a:fontRef>
+        </p:style>
+      </p:cxnSp>
+      <p:cxnSp>
+        <p:nvCxnSpPr>
+          <p:cNvPr id="48" name="Straight Arrow Connector 47"/>
+          <p:cNvCxnSpPr/>
+          <p:nvPr/>
+        </p:nvCxnSpPr>
+        <p:spPr>
+          <a:xfrm flipH="1">
+            <a:off x="6434268" y="4518864"/>
+            <a:ext cx="812490" cy="170180"/>
+          </a:xfrm>
+          <a:prstGeom prst="straightConnector1">
+            <a:avLst/>
+          </a:prstGeom>
+          <a:ln w="6350">
+            <a:solidFill>
+              <a:schemeClr val="tx1"/>
+            </a:solidFill>
+            <a:tailEnd type="triangle"/>
+          </a:ln>
+        </p:spPr>
+        <p:style>
+          <a:lnRef idx="1">
+            <a:schemeClr val="accent1"/>
+          </a:lnRef>
+          <a:fillRef idx="0">
+            <a:schemeClr val="accent1"/>
+          </a:fillRef>
+          <a:effectRef idx="0">
+            <a:schemeClr val="accent1"/>
+          </a:effectRef>
+          <a:fontRef idx="minor">
+            <a:schemeClr val="tx1"/>
+          </a:fontRef>
+        </p:style>
+      </p:cxnSp>
+      <p:cxnSp>
+        <p:nvCxnSpPr>
+          <p:cNvPr id="50" name="Straight Arrow Connector 49"/>
+          <p:cNvCxnSpPr/>
+          <p:nvPr/>
+        </p:nvCxnSpPr>
+        <p:spPr>
+          <a:xfrm flipH="1">
+            <a:off x="6443735" y="4634278"/>
+            <a:ext cx="803022" cy="286065"/>
+          </a:xfrm>
+          <a:prstGeom prst="straightConnector1">
+            <a:avLst/>
+          </a:prstGeom>
+          <a:ln w="6350">
+            <a:solidFill>
+              <a:schemeClr val="tx1"/>
+            </a:solidFill>
+            <a:tailEnd type="triangle"/>
+          </a:ln>
+        </p:spPr>
+        <p:style>
+          <a:lnRef idx="1">
+            <a:schemeClr val="accent1"/>
+          </a:lnRef>
+          <a:fillRef idx="0">
+            <a:schemeClr val="accent1"/>
+          </a:fillRef>
+          <a:effectRef idx="0">
+            <a:schemeClr val="accent1"/>
+          </a:effectRef>
+          <a:fontRef idx="minor">
+            <a:schemeClr val="tx1"/>
+          </a:fontRef>
+        </p:style>
+      </p:cxnSp>
+      <p:cxnSp>
+        <p:nvCxnSpPr>
+          <p:cNvPr id="52" name="Straight Arrow Connector 51"/>
+          <p:cNvCxnSpPr/>
+          <p:nvPr/>
+        </p:nvCxnSpPr>
+        <p:spPr>
+          <a:xfrm flipH="1">
+            <a:off x="4897031" y="3987081"/>
+            <a:ext cx="395608" cy="0"/>
+          </a:xfrm>
+          <a:prstGeom prst="straightConnector1">
+            <a:avLst/>
+          </a:prstGeom>
+          <a:ln w="6350">
+            <a:solidFill>
+              <a:schemeClr val="tx1"/>
+            </a:solidFill>
+            <a:tailEnd type="triangle"/>
+          </a:ln>
+        </p:spPr>
+        <p:style>
+          <a:lnRef idx="1">
+            <a:schemeClr val="accent1"/>
+          </a:lnRef>
+          <a:fillRef idx="0">
+            <a:schemeClr val="accent1"/>
+          </a:fillRef>
+          <a:effectRef idx="0">
+            <a:schemeClr val="accent1"/>
+          </a:effectRef>
+          <a:fontRef idx="minor">
+            <a:schemeClr val="tx1"/>
+          </a:fontRef>
+        </p:style>
+      </p:cxnSp>
+      <p:cxnSp>
+        <p:nvCxnSpPr>
+          <p:cNvPr id="54" name="Straight Arrow Connector 53"/>
+          <p:cNvCxnSpPr/>
+          <p:nvPr/>
+        </p:nvCxnSpPr>
+        <p:spPr>
+          <a:xfrm flipH="1">
+            <a:off x="3034514" y="3987081"/>
+            <a:ext cx="194208" cy="0"/>
+          </a:xfrm>
+          <a:prstGeom prst="straightConnector1">
+            <a:avLst/>
+          </a:prstGeom>
+          <a:ln w="6350">
+            <a:solidFill>
+              <a:schemeClr val="tx1"/>
+            </a:solidFill>
+            <a:tailEnd type="triangle"/>
+          </a:ln>
+        </p:spPr>
+        <p:style>
+          <a:lnRef idx="1">
+            <a:schemeClr val="accent1"/>
+          </a:lnRef>
+          <a:fillRef idx="0">
+            <a:schemeClr val="accent1"/>
+          </a:fillRef>
+          <a:effectRef idx="0">
+            <a:schemeClr val="accent1"/>
+          </a:effectRef>
+          <a:fontRef idx="minor">
+            <a:schemeClr val="tx1"/>
+          </a:fontRef>
+        </p:style>
+      </p:cxnSp>
     </p:spTree>
     <p:extLst>
       <p:ext uri="{BB962C8B-B14F-4D97-AF65-F5344CB8AC3E}">
@@ -13450,6 +14074,13 @@
   <p:clrMapOvr>
     <a:masterClrMapping/>
   </p:clrMapOvr>
+  <p:timing>
+    <p:tnLst>
+      <p:par>
+        <p:cTn id="1" dur="indefinite" restart="never" nodeType="tmRoot"/>
+      </p:par>
+    </p:tnLst>
+  </p:timing>
 </p:sld>
 </file>
 
@@ -14359,6 +14990,13 @@
   <p:clrMapOvr>
     <a:masterClrMapping/>
   </p:clrMapOvr>
+  <p:timing>
+    <p:tnLst>
+      <p:par>
+        <p:cTn id="1" dur="indefinite" restart="never" nodeType="tmRoot"/>
+      </p:par>
+    </p:tnLst>
+  </p:timing>
 </p:sld>
 </file>
 
@@ -14419,14 +15057,14 @@
           <p:nvPr>
             <p:extLst>
               <p:ext uri="{D42A27DB-BD31-4B8C-83A1-F6EECF244321}">
-                <p14:modId xmlns:p14="http://schemas.microsoft.com/office/powerpoint/2010/main" val="2407125397"/>
+                <p14:modId xmlns:p14="http://schemas.microsoft.com/office/powerpoint/2010/main" val="3734162670"/>
               </p:ext>
             </p:extLst>
           </p:nvPr>
         </p:nvGraphicFramePr>
         <p:xfrm>
-          <a:off x="414120" y="1592917"/>
-          <a:ext cx="5371685" cy="1150551"/>
+          <a:off x="323999" y="1753159"/>
+          <a:ext cx="5556847" cy="1188720"/>
         </p:xfrm>
         <a:graphic>
           <a:graphicData uri="http://schemas.openxmlformats.org/drawingml/2006/table">
@@ -14435,12 +15073,12 @@
                 <a:tableStyleId>{3C2FFA5D-87B4-456A-9821-1D502468CF0F}</a:tableStyleId>
               </a:tblPr>
               <a:tblGrid>
-                <a:gridCol w="722752"/>
-                <a:gridCol w="910413"/>
-                <a:gridCol w="849664"/>
-                <a:gridCol w="801111"/>
-                <a:gridCol w="856585"/>
-                <a:gridCol w="1231160"/>
+                <a:gridCol w="747665"/>
+                <a:gridCol w="941795"/>
+                <a:gridCol w="878952"/>
+                <a:gridCol w="828725"/>
+                <a:gridCol w="796388"/>
+                <a:gridCol w="1363322"/>
               </a:tblGrid>
               <a:tr h="377497">
                 <a:tc>
@@ -14570,7 +15208,7 @@
                     <a:p>
                       <a:r>
                         <a:rPr lang="en-US" sz="1000" dirty="0" smtClean="0"/>
-                        <a:t>60</a:t>
+                        <a:t>90</a:t>
                       </a:r>
                       <a:endParaRPr lang="en-US" sz="1000" dirty="0"/>
                     </a:p>
@@ -14598,7 +15236,7 @@
                     <a:p>
                       <a:r>
                         <a:rPr lang="en-US" sz="1000" dirty="0" smtClean="0"/>
-                        <a:t>120</a:t>
+                        <a:t>150</a:t>
                       </a:r>
                       <a:endParaRPr lang="en-US" sz="1000" dirty="0"/>
                     </a:p>
@@ -14741,14 +15379,14 @@
           <p:nvPr>
             <p:extLst>
               <p:ext uri="{D42A27DB-BD31-4B8C-83A1-F6EECF244321}">
-                <p14:modId xmlns:p14="http://schemas.microsoft.com/office/powerpoint/2010/main" val="1926682592"/>
+                <p14:modId xmlns:p14="http://schemas.microsoft.com/office/powerpoint/2010/main" val="379358161"/>
               </p:ext>
             </p:extLst>
           </p:nvPr>
         </p:nvGraphicFramePr>
         <p:xfrm>
-          <a:off x="414120" y="3256135"/>
-          <a:ext cx="8130115" cy="1112520"/>
+          <a:off x="6171049" y="1753159"/>
+          <a:ext cx="5190170" cy="753771"/>
         </p:xfrm>
         <a:graphic>
           <a:graphicData uri="http://schemas.openxmlformats.org/drawingml/2006/table">
@@ -14757,13 +15395,13 @@
                 <a:tableStyleId>{3C2FFA5D-87B4-456A-9821-1D502468CF0F}</a:tableStyleId>
               </a:tblPr>
               <a:tblGrid>
-                <a:gridCol w="1626023"/>
-                <a:gridCol w="1626023"/>
-                <a:gridCol w="1626023"/>
-                <a:gridCol w="1626023"/>
-                <a:gridCol w="1626023"/>
+                <a:gridCol w="1038034"/>
+                <a:gridCol w="1038034"/>
+                <a:gridCol w="1038034"/>
+                <a:gridCol w="1038034"/>
+                <a:gridCol w="1038034"/>
               </a:tblGrid>
-              <a:tr h="370840">
+              <a:tr h="251257">
                 <a:tc>
                   <a:txBody>
                     <a:bodyPr/>
@@ -14835,7 +15473,7 @@
                   <a:tcPr anchor="ctr"/>
                 </a:tc>
               </a:tr>
-              <a:tr h="370840">
+              <a:tr h="251257">
                 <a:tc>
                   <a:txBody>
                     <a:bodyPr/>
@@ -14857,7 +15495,7 @@
                     <a:p>
                       <a:r>
                         <a:rPr lang="en-US" sz="1000" dirty="0" smtClean="0"/>
-                        <a:t>120</a:t>
+                        <a:t>150</a:t>
                       </a:r>
                       <a:endParaRPr lang="en-US" sz="1000" dirty="0"/>
                     </a:p>
@@ -14895,7 +15533,7 @@
                   <a:tcPr anchor="ctr"/>
                 </a:tc>
               </a:tr>
-              <a:tr h="370840">
+              <a:tr h="251257">
                 <a:tc>
                   <a:txBody>
                     <a:bodyPr/>
@@ -14984,14 +15622,14 @@
           <p:nvPr>
             <p:extLst>
               <p:ext uri="{D42A27DB-BD31-4B8C-83A1-F6EECF244321}">
-                <p14:modId xmlns:p14="http://schemas.microsoft.com/office/powerpoint/2010/main" val="3576453434"/>
+                <p14:modId xmlns:p14="http://schemas.microsoft.com/office/powerpoint/2010/main" val="2884123649"/>
               </p:ext>
             </p:extLst>
           </p:nvPr>
         </p:nvGraphicFramePr>
         <p:xfrm>
-          <a:off x="414120" y="4745070"/>
-          <a:ext cx="8130115" cy="1112520"/>
+          <a:off x="6171049" y="3776332"/>
+          <a:ext cx="5190174" cy="1188378"/>
         </p:xfrm>
         <a:graphic>
           <a:graphicData uri="http://schemas.openxmlformats.org/drawingml/2006/table">
@@ -15000,13 +15638,14 @@
                 <a:tableStyleId>{3C2FFA5D-87B4-456A-9821-1D502468CF0F}</a:tableStyleId>
               </a:tblPr>
               <a:tblGrid>
-                <a:gridCol w="1626023"/>
-                <a:gridCol w="1626023"/>
-                <a:gridCol w="1626023"/>
-                <a:gridCol w="1626023"/>
-                <a:gridCol w="1626023"/>
+                <a:gridCol w="865029"/>
+                <a:gridCol w="865029"/>
+                <a:gridCol w="865029"/>
+                <a:gridCol w="865029"/>
+                <a:gridCol w="865029"/>
+                <a:gridCol w="865029"/>
               </a:tblGrid>
-              <a:tr h="370840">
+              <a:tr h="264046">
                 <a:tc>
                   <a:txBody>
                     <a:bodyPr/>
@@ -15015,6 +15654,24 @@
                       <a:r>
                         <a:rPr lang="en-US" sz="1000" dirty="0" smtClean="0"/>
                         <a:t>POB</a:t>
+                      </a:r>
+                      <a:endParaRPr lang="en-US" sz="1000" dirty="0"/>
+                    </a:p>
+                  </a:txBody>
+                  <a:tcPr/>
+                </a:tc>
+                <a:tc>
+                  <a:txBody>
+                    <a:bodyPr/>
+                    <a:lstStyle/>
+                    <a:p>
+                      <a:r>
+                        <a:rPr lang="en-US" sz="1000" dirty="0" smtClean="0"/>
+                        <a:t>Profit</a:t>
+                      </a:r>
+                      <a:r>
+                        <a:rPr lang="en-US" sz="1000" baseline="0" dirty="0" smtClean="0"/>
+                        <a:t> Center</a:t>
                       </a:r>
                       <a:endParaRPr lang="en-US" sz="1000" dirty="0"/>
                     </a:p>
@@ -15078,7 +15735,7 @@
                   <a:tcPr/>
                 </a:tc>
               </a:tr>
-              <a:tr h="370840">
+              <a:tr h="264046">
                 <a:tc>
                   <a:txBody>
                     <a:bodyPr/>
@@ -15100,7 +15757,21 @@
                     <a:p>
                       <a:r>
                         <a:rPr lang="en-US" sz="1000" dirty="0" smtClean="0"/>
-                        <a:t>120</a:t>
+                        <a:t>PC1</a:t>
+                      </a:r>
+                      <a:endParaRPr lang="en-US" sz="1000" dirty="0"/>
+                    </a:p>
+                  </a:txBody>
+                  <a:tcPr/>
+                </a:tc>
+                <a:tc>
+                  <a:txBody>
+                    <a:bodyPr/>
+                    <a:lstStyle/>
+                    <a:p>
+                      <a:r>
+                        <a:rPr lang="en-US" sz="1000" dirty="0" smtClean="0"/>
+                        <a:t>90</a:t>
                       </a:r>
                       <a:endParaRPr lang="en-US" sz="1000" dirty="0"/>
                     </a:p>
@@ -15138,7 +15809,77 @@
                   <a:tcPr/>
                 </a:tc>
               </a:tr>
-              <a:tr h="370840">
+              <a:tr h="264046">
+                <a:tc>
+                  <a:txBody>
+                    <a:bodyPr/>
+                    <a:lstStyle/>
+                    <a:p>
+                      <a:endParaRPr lang="en-US" sz="1000" dirty="0"/>
+                    </a:p>
+                  </a:txBody>
+                  <a:tcPr/>
+                </a:tc>
+                <a:tc>
+                  <a:txBody>
+                    <a:bodyPr/>
+                    <a:lstStyle/>
+                    <a:p>
+                      <a:r>
+                        <a:rPr lang="en-US" sz="1000" dirty="0" smtClean="0"/>
+                        <a:t>PC2</a:t>
+                      </a:r>
+                      <a:endParaRPr lang="en-US" sz="1000" dirty="0"/>
+                    </a:p>
+                  </a:txBody>
+                  <a:tcPr/>
+                </a:tc>
+                <a:tc>
+                  <a:txBody>
+                    <a:bodyPr/>
+                    <a:lstStyle/>
+                    <a:p>
+                      <a:r>
+                        <a:rPr lang="en-US" sz="1000" dirty="0" smtClean="0"/>
+                        <a:t>60</a:t>
+                      </a:r>
+                      <a:endParaRPr lang="en-US" sz="1000" dirty="0"/>
+                    </a:p>
+                  </a:txBody>
+                  <a:tcPr/>
+                </a:tc>
+                <a:tc>
+                  <a:txBody>
+                    <a:bodyPr/>
+                    <a:lstStyle/>
+                    <a:p>
+                      <a:endParaRPr lang="en-US" sz="1000" dirty="0"/>
+                    </a:p>
+                  </a:txBody>
+                  <a:tcPr/>
+                </a:tc>
+                <a:tc>
+                  <a:txBody>
+                    <a:bodyPr/>
+                    <a:lstStyle/>
+                    <a:p>
+                      <a:endParaRPr lang="en-US" sz="1000" dirty="0"/>
+                    </a:p>
+                  </a:txBody>
+                  <a:tcPr/>
+                </a:tc>
+                <a:tc>
+                  <a:txBody>
+                    <a:bodyPr/>
+                    <a:lstStyle/>
+                    <a:p>
+                      <a:endParaRPr lang="en-US" sz="1000" dirty="0"/>
+                    </a:p>
+                  </a:txBody>
+                  <a:tcPr/>
+                </a:tc>
+              </a:tr>
+              <a:tr h="264046">
                 <a:tc>
                   <a:txBody>
                     <a:bodyPr/>
@@ -15151,6 +15892,20 @@
                       <a:r>
                         <a:rPr lang="en-US" sz="1000" baseline="0" dirty="0" smtClean="0"/>
                         <a:t> #2</a:t>
+                      </a:r>
+                      <a:endParaRPr lang="en-US" sz="1000" dirty="0"/>
+                    </a:p>
+                  </a:txBody>
+                  <a:tcPr/>
+                </a:tc>
+                <a:tc>
+                  <a:txBody>
+                    <a:bodyPr/>
+                    <a:lstStyle/>
+                    <a:p>
+                      <a:r>
+                        <a:rPr lang="en-US" sz="1000" dirty="0" smtClean="0"/>
+                        <a:t>PC2</a:t>
                       </a:r>
                       <a:endParaRPr lang="en-US" sz="1000" dirty="0"/>
                     </a:p>
@@ -15218,6 +15973,563 @@
           </a:graphicData>
         </a:graphic>
       </p:graphicFrame>
+      <p:graphicFrame>
+        <p:nvGraphicFramePr>
+          <p:cNvPr id="6" name="Table 5"/>
+          <p:cNvGraphicFramePr>
+            <a:graphicFrameLocks noGrp="1"/>
+          </p:cNvGraphicFramePr>
+          <p:nvPr>
+            <p:extLst>
+              <p:ext uri="{D42A27DB-BD31-4B8C-83A1-F6EECF244321}">
+                <p14:modId xmlns:p14="http://schemas.microsoft.com/office/powerpoint/2010/main" val="2352104524"/>
+              </p:ext>
+            </p:extLst>
+          </p:nvPr>
+        </p:nvGraphicFramePr>
+        <p:xfrm>
+          <a:off x="323999" y="3776332"/>
+          <a:ext cx="5485130" cy="1341120"/>
+        </p:xfrm>
+        <a:graphic>
+          <a:graphicData uri="http://schemas.openxmlformats.org/drawingml/2006/table">
+            <a:tbl>
+              <a:tblPr firstRow="1" bandRow="1">
+                <a:tableStyleId>{3C2FFA5D-87B4-456A-9821-1D502468CF0F}</a:tableStyleId>
+              </a:tblPr>
+              <a:tblGrid>
+                <a:gridCol w="697920"/>
+                <a:gridCol w="739552"/>
+                <a:gridCol w="797030"/>
+                <a:gridCol w="718889"/>
+                <a:gridCol w="765773"/>
+                <a:gridCol w="882983"/>
+                <a:gridCol w="882983"/>
+              </a:tblGrid>
+              <a:tr h="377497">
+                <a:tc>
+                  <a:txBody>
+                    <a:bodyPr/>
+                    <a:lstStyle/>
+                    <a:p>
+                      <a:r>
+                        <a:rPr lang="en-US" altLang="zh-CN" sz="1000" dirty="0" smtClean="0"/>
+                        <a:t>Sending POB</a:t>
+                      </a:r>
+                      <a:endParaRPr lang="en-US" sz="1000" dirty="0"/>
+                    </a:p>
+                  </a:txBody>
+                  <a:tcPr anchor="ctr"/>
+                </a:tc>
+                <a:tc>
+                  <a:txBody>
+                    <a:bodyPr/>
+                    <a:lstStyle/>
+                    <a:p>
+                      <a:r>
+                        <a:rPr lang="en-US" sz="1000" dirty="0" smtClean="0"/>
+                        <a:t>Transaction</a:t>
+                      </a:r>
+                      <a:r>
+                        <a:rPr lang="en-US" sz="1000" baseline="0" dirty="0" smtClean="0"/>
+                        <a:t> Price</a:t>
+                      </a:r>
+                      <a:endParaRPr lang="en-US" sz="1000" dirty="0"/>
+                    </a:p>
+                  </a:txBody>
+                  <a:tcPr anchor="ctr"/>
+                </a:tc>
+                <a:tc>
+                  <a:txBody>
+                    <a:bodyPr/>
+                    <a:lstStyle/>
+                    <a:p>
+                      <a:r>
+                        <a:rPr lang="en-US" sz="1000" dirty="0" smtClean="0"/>
+                        <a:t>Allocation</a:t>
+                      </a:r>
+                      <a:r>
+                        <a:rPr lang="en-US" sz="1000" baseline="0" dirty="0" smtClean="0"/>
+                        <a:t> Difference</a:t>
+                      </a:r>
+                      <a:endParaRPr lang="en-US" sz="1000" dirty="0"/>
+                    </a:p>
+                  </a:txBody>
+                  <a:tcPr anchor="ctr"/>
+                </a:tc>
+                <a:tc>
+                  <a:txBody>
+                    <a:bodyPr/>
+                    <a:lstStyle/>
+                    <a:p>
+                      <a:r>
+                        <a:rPr lang="en-US" sz="1000" dirty="0" smtClean="0"/>
+                        <a:t>Allocated Price</a:t>
+                      </a:r>
+                      <a:endParaRPr lang="en-US" sz="1000" dirty="0"/>
+                    </a:p>
+                  </a:txBody>
+                  <a:tcPr anchor="ctr"/>
+                </a:tc>
+                <a:tc>
+                  <a:txBody>
+                    <a:bodyPr/>
+                    <a:lstStyle/>
+                    <a:p>
+                      <a:r>
+                        <a:rPr lang="en-US" sz="1000" dirty="0" smtClean="0"/>
+                        <a:t>Fulfill</a:t>
+                      </a:r>
+                      <a:r>
+                        <a:rPr lang="en-US" sz="1000" baseline="0" dirty="0" smtClean="0"/>
+                        <a:t> type</a:t>
+                      </a:r>
+                      <a:endParaRPr lang="en-US" sz="1000" dirty="0"/>
+                    </a:p>
+                  </a:txBody>
+                  <a:tcPr anchor="ctr"/>
+                </a:tc>
+                <a:tc>
+                  <a:txBody>
+                    <a:bodyPr/>
+                    <a:lstStyle/>
+                    <a:p>
+                      <a:r>
+                        <a:rPr lang="en-US" altLang="zh-CN" sz="1000" dirty="0" smtClean="0"/>
+                        <a:t>Profit</a:t>
+                      </a:r>
+                      <a:r>
+                        <a:rPr lang="en-US" altLang="zh-CN" sz="1000" baseline="0" dirty="0" smtClean="0"/>
+                        <a:t> Center</a:t>
+                      </a:r>
+                      <a:endParaRPr lang="en-US" sz="1000" dirty="0"/>
+                    </a:p>
+                  </a:txBody>
+                  <a:tcPr anchor="ctr"/>
+                </a:tc>
+                <a:tc>
+                  <a:txBody>
+                    <a:bodyPr/>
+                    <a:lstStyle/>
+                    <a:p>
+                      <a:r>
+                        <a:rPr lang="en-US" sz="1000" dirty="0" smtClean="0"/>
+                        <a:t>Allocated</a:t>
+                      </a:r>
+                      <a:r>
+                        <a:rPr lang="en-US" sz="1000" baseline="0" dirty="0" smtClean="0"/>
+                        <a:t> From</a:t>
+                      </a:r>
+                      <a:endParaRPr lang="en-US" sz="1000" dirty="0"/>
+                    </a:p>
+                  </a:txBody>
+                  <a:tcPr anchor="ctr"/>
+                </a:tc>
+              </a:tr>
+              <a:tr h="358071">
+                <a:tc>
+                  <a:txBody>
+                    <a:bodyPr/>
+                    <a:lstStyle/>
+                    <a:p>
+                      <a:r>
+                        <a:rPr lang="en-US" sz="1000" dirty="0" smtClean="0"/>
+                        <a:t>POB</a:t>
+                      </a:r>
+                      <a:r>
+                        <a:rPr lang="en-US" sz="1000" baseline="0" dirty="0" smtClean="0"/>
+                        <a:t> #1</a:t>
+                      </a:r>
+                      <a:endParaRPr lang="en-US" sz="1000" dirty="0"/>
+                    </a:p>
+                  </a:txBody>
+                  <a:tcPr anchor="ctr"/>
+                </a:tc>
+                <a:tc>
+                  <a:txBody>
+                    <a:bodyPr/>
+                    <a:lstStyle/>
+                    <a:p>
+                      <a:r>
+                        <a:rPr lang="en-US" sz="1000" dirty="0" smtClean="0"/>
+                        <a:t>90</a:t>
+                      </a:r>
+                      <a:endParaRPr lang="en-US" sz="1000" dirty="0"/>
+                    </a:p>
+                  </a:txBody>
+                  <a:tcPr anchor="ctr"/>
+                </a:tc>
+                <a:tc>
+                  <a:txBody>
+                    <a:bodyPr/>
+                    <a:lstStyle/>
+                    <a:p>
+                      <a:r>
+                        <a:rPr lang="en-US" sz="1000" dirty="0" smtClean="0"/>
+                        <a:t>+60</a:t>
+                      </a:r>
+                      <a:endParaRPr lang="en-US" sz="1000" dirty="0"/>
+                    </a:p>
+                  </a:txBody>
+                  <a:tcPr anchor="ctr"/>
+                </a:tc>
+                <a:tc>
+                  <a:txBody>
+                    <a:bodyPr/>
+                    <a:lstStyle/>
+                    <a:p>
+                      <a:r>
+                        <a:rPr lang="en-US" sz="1000" dirty="0" smtClean="0"/>
+                        <a:t>120</a:t>
+                      </a:r>
+                      <a:endParaRPr lang="en-US" sz="1000" dirty="0"/>
+                    </a:p>
+                  </a:txBody>
+                  <a:tcPr anchor="ctr"/>
+                </a:tc>
+                <a:tc>
+                  <a:txBody>
+                    <a:bodyPr/>
+                    <a:lstStyle/>
+                    <a:p>
+                      <a:r>
+                        <a:rPr lang="en-US" sz="1000" dirty="0" smtClean="0"/>
+                        <a:t>Event</a:t>
+                      </a:r>
+                      <a:r>
+                        <a:rPr lang="en-US" sz="1000" baseline="0" dirty="0" smtClean="0"/>
+                        <a:t> based</a:t>
+                      </a:r>
+                      <a:endParaRPr lang="en-US" sz="1000" dirty="0"/>
+                    </a:p>
+                  </a:txBody>
+                  <a:tcPr anchor="ctr"/>
+                </a:tc>
+                <a:tc>
+                  <a:txBody>
+                    <a:bodyPr/>
+                    <a:lstStyle/>
+                    <a:p>
+                      <a:r>
+                        <a:rPr lang="en-US" sz="1000" dirty="0" smtClean="0"/>
+                        <a:t>PC1</a:t>
+                      </a:r>
+                      <a:endParaRPr lang="en-US" sz="1000" dirty="0"/>
+                    </a:p>
+                  </a:txBody>
+                  <a:tcPr anchor="ctr"/>
+                </a:tc>
+                <a:tc>
+                  <a:txBody>
+                    <a:bodyPr/>
+                    <a:lstStyle/>
+                    <a:p>
+                      <a:r>
+                        <a:rPr lang="en-US" sz="1000" dirty="0" smtClean="0"/>
+                        <a:t>+60 PC2</a:t>
+                      </a:r>
+                      <a:endParaRPr lang="en-US" sz="1000" dirty="0"/>
+                    </a:p>
+                  </a:txBody>
+                  <a:tcPr anchor="ctr"/>
+                </a:tc>
+              </a:tr>
+              <a:tr h="358071">
+                <a:tc>
+                  <a:txBody>
+                    <a:bodyPr/>
+                    <a:lstStyle/>
+                    <a:p>
+                      <a:r>
+                        <a:rPr lang="en-US" sz="1000" dirty="0" smtClean="0"/>
+                        <a:t>POB</a:t>
+                      </a:r>
+                      <a:r>
+                        <a:rPr lang="en-US" sz="1000" baseline="0" dirty="0" smtClean="0"/>
+                        <a:t> #2</a:t>
+                      </a:r>
+                      <a:endParaRPr lang="en-US" sz="1000" dirty="0"/>
+                    </a:p>
+                  </a:txBody>
+                  <a:tcPr anchor="ctr"/>
+                </a:tc>
+                <a:tc>
+                  <a:txBody>
+                    <a:bodyPr/>
+                    <a:lstStyle/>
+                    <a:p>
+                      <a:r>
+                        <a:rPr lang="en-US" sz="1000" dirty="0" smtClean="0"/>
+                        <a:t>180</a:t>
+                      </a:r>
+                      <a:endParaRPr lang="en-US" sz="1000" dirty="0"/>
+                    </a:p>
+                  </a:txBody>
+                  <a:tcPr anchor="ctr"/>
+                </a:tc>
+                <a:tc>
+                  <a:txBody>
+                    <a:bodyPr/>
+                    <a:lstStyle/>
+                    <a:p>
+                      <a:r>
+                        <a:rPr lang="en-US" sz="1000" dirty="0" smtClean="0"/>
+                        <a:t>-60</a:t>
+                      </a:r>
+                      <a:endParaRPr lang="en-US" sz="1000" dirty="0"/>
+                    </a:p>
+                  </a:txBody>
+                  <a:tcPr anchor="ctr"/>
+                </a:tc>
+                <a:tc>
+                  <a:txBody>
+                    <a:bodyPr/>
+                    <a:lstStyle/>
+                    <a:p>
+                      <a:r>
+                        <a:rPr lang="en-US" sz="1000" dirty="0" smtClean="0"/>
+                        <a:t>120</a:t>
+                      </a:r>
+                      <a:endParaRPr lang="en-US" sz="1000" dirty="0"/>
+                    </a:p>
+                  </a:txBody>
+                  <a:tcPr anchor="ctr"/>
+                </a:tc>
+                <a:tc>
+                  <a:txBody>
+                    <a:bodyPr/>
+                    <a:lstStyle/>
+                    <a:p>
+                      <a:r>
+                        <a:rPr lang="en-US" sz="1000" dirty="0" smtClean="0"/>
+                        <a:t>Time-based</a:t>
+                      </a:r>
+                      <a:endParaRPr lang="en-US" sz="1000" dirty="0"/>
+                    </a:p>
+                  </a:txBody>
+                  <a:tcPr anchor="ctr"/>
+                </a:tc>
+                <a:tc>
+                  <a:txBody>
+                    <a:bodyPr/>
+                    <a:lstStyle/>
+                    <a:p>
+                      <a:r>
+                        <a:rPr lang="en-US" sz="1000" dirty="0" smtClean="0"/>
+                        <a:t>PC2</a:t>
+                      </a:r>
+                      <a:endParaRPr lang="en-US" sz="1000" dirty="0"/>
+                    </a:p>
+                  </a:txBody>
+                  <a:tcPr anchor="ctr"/>
+                </a:tc>
+                <a:tc>
+                  <a:txBody>
+                    <a:bodyPr/>
+                    <a:lstStyle/>
+                    <a:p>
+                      <a:endParaRPr lang="en-US" sz="1000" dirty="0"/>
+                    </a:p>
+                  </a:txBody>
+                  <a:tcPr anchor="ctr"/>
+                </a:tc>
+              </a:tr>
+            </a:tbl>
+          </a:graphicData>
+        </a:graphic>
+      </p:graphicFrame>
+      <p:sp>
+        <p:nvSpPr>
+          <p:cNvPr id="4" name="TextBox 3"/>
+          <p:cNvSpPr txBox="1"/>
+          <p:nvPr/>
+        </p:nvSpPr>
+        <p:spPr>
+          <a:xfrm>
+            <a:off x="323998" y="1357339"/>
+            <a:ext cx="1495836" cy="276999"/>
+          </a:xfrm>
+          <a:prstGeom prst="rect">
+            <a:avLst/>
+          </a:prstGeom>
+          <a:noFill/>
+        </p:spPr>
+        <p:txBody>
+          <a:bodyPr wrap="square" lIns="0" tIns="0" rIns="0" bIns="0" rtlCol="0">
+            <a:spAutoFit/>
+          </a:bodyPr>
+          <a:lstStyle/>
+          <a:p>
+            <a:pPr fontAlgn="base">
+              <a:spcBef>
+                <a:spcPts val="600"/>
+              </a:spcBef>
+              <a:spcAft>
+                <a:spcPct val="0"/>
+              </a:spcAft>
+              <a:buClr>
+                <a:srgbClr val="F0AB00"/>
+              </a:buClr>
+              <a:buSzPct val="80000"/>
+            </a:pPr>
+            <a:r>
+              <a:rPr lang="en-US" sz="1800" kern="0" dirty="0" smtClean="0">
+                <a:ea typeface="Arial Unicode MS" pitchFamily="34" charset="-128"/>
+                <a:cs typeface="Arial Unicode MS" pitchFamily="34" charset="-128"/>
+              </a:rPr>
+              <a:t>View from FI</a:t>
+            </a:r>
+            <a:endParaRPr lang="en-US" sz="1800" kern="0" dirty="0" smtClean="0">
+              <a:ea typeface="Arial Unicode MS" pitchFamily="34" charset="-128"/>
+              <a:cs typeface="Arial Unicode MS" pitchFamily="34" charset="-128"/>
+            </a:endParaRPr>
+          </a:p>
+        </p:txBody>
+      </p:sp>
+      <p:sp>
+        <p:nvSpPr>
+          <p:cNvPr id="8" name="TextBox 7"/>
+          <p:cNvSpPr txBox="1"/>
+          <p:nvPr/>
+        </p:nvSpPr>
+        <p:spPr>
+          <a:xfrm>
+            <a:off x="323998" y="3325076"/>
+            <a:ext cx="2598495" cy="276999"/>
+          </a:xfrm>
+          <a:prstGeom prst="rect">
+            <a:avLst/>
+          </a:prstGeom>
+          <a:noFill/>
+        </p:spPr>
+        <p:txBody>
+          <a:bodyPr wrap="square" lIns="0" tIns="0" rIns="0" bIns="0" rtlCol="0">
+            <a:spAutoFit/>
+          </a:bodyPr>
+          <a:lstStyle/>
+          <a:p>
+            <a:pPr fontAlgn="base">
+              <a:spcBef>
+                <a:spcPts val="600"/>
+              </a:spcBef>
+              <a:spcAft>
+                <a:spcPct val="0"/>
+              </a:spcAft>
+              <a:buClr>
+                <a:srgbClr val="F0AB00"/>
+              </a:buClr>
+              <a:buSzPct val="80000"/>
+            </a:pPr>
+            <a:r>
+              <a:rPr lang="en-US" sz="1800" kern="0" dirty="0" smtClean="0">
+                <a:ea typeface="Arial Unicode MS" pitchFamily="34" charset="-128"/>
+                <a:cs typeface="Arial Unicode MS" pitchFamily="34" charset="-128"/>
+              </a:rPr>
+              <a:t>View from FI + PC </a:t>
+            </a:r>
+            <a:endParaRPr lang="en-US" sz="1800" kern="0" dirty="0" smtClean="0">
+              <a:ea typeface="Arial Unicode MS" pitchFamily="34" charset="-128"/>
+              <a:cs typeface="Arial Unicode MS" pitchFamily="34" charset="-128"/>
+            </a:endParaRPr>
+          </a:p>
+        </p:txBody>
+      </p:sp>
+      <p:sp>
+        <p:nvSpPr>
+          <p:cNvPr id="9" name="TextBox 8"/>
+          <p:cNvSpPr txBox="1"/>
+          <p:nvPr/>
+        </p:nvSpPr>
+        <p:spPr>
+          <a:xfrm>
+            <a:off x="6171048" y="1357339"/>
+            <a:ext cx="2166127" cy="276999"/>
+          </a:xfrm>
+          <a:prstGeom prst="rect">
+            <a:avLst/>
+          </a:prstGeom>
+          <a:noFill/>
+        </p:spPr>
+        <p:txBody>
+          <a:bodyPr wrap="square" lIns="0" tIns="0" rIns="0" bIns="0" rtlCol="0">
+            <a:spAutoFit/>
+          </a:bodyPr>
+          <a:lstStyle/>
+          <a:p>
+            <a:pPr fontAlgn="base">
+              <a:spcBef>
+                <a:spcPts val="600"/>
+              </a:spcBef>
+              <a:spcAft>
+                <a:spcPct val="0"/>
+              </a:spcAft>
+              <a:buClr>
+                <a:srgbClr val="F0AB00"/>
+              </a:buClr>
+              <a:buSzPct val="80000"/>
+            </a:pPr>
+            <a:r>
+              <a:rPr lang="en-US" sz="1800" kern="0" dirty="0" smtClean="0">
+                <a:ea typeface="Arial Unicode MS" pitchFamily="34" charset="-128"/>
+                <a:cs typeface="Arial Unicode MS" pitchFamily="34" charset="-128"/>
+              </a:rPr>
+              <a:t>Reporting per period </a:t>
+            </a:r>
+            <a:endParaRPr lang="en-US" sz="1800" kern="0" dirty="0" smtClean="0">
+              <a:ea typeface="Arial Unicode MS" pitchFamily="34" charset="-128"/>
+              <a:cs typeface="Arial Unicode MS" pitchFamily="34" charset="-128"/>
+            </a:endParaRPr>
+          </a:p>
+        </p:txBody>
+      </p:sp>
+      <p:sp>
+        <p:nvSpPr>
+          <p:cNvPr id="11" name="TextBox 10"/>
+          <p:cNvSpPr txBox="1"/>
+          <p:nvPr/>
+        </p:nvSpPr>
+        <p:spPr>
+          <a:xfrm>
+            <a:off x="6171048" y="3325076"/>
+            <a:ext cx="2166127" cy="276999"/>
+          </a:xfrm>
+          <a:prstGeom prst="rect">
+            <a:avLst/>
+          </a:prstGeom>
+          <a:noFill/>
+        </p:spPr>
+        <p:txBody>
+          <a:bodyPr wrap="square" lIns="0" tIns="0" rIns="0" bIns="0" rtlCol="0">
+            <a:spAutoFit/>
+          </a:bodyPr>
+          <a:lstStyle/>
+          <a:p>
+            <a:pPr fontAlgn="base">
+              <a:spcBef>
+                <a:spcPts val="600"/>
+              </a:spcBef>
+              <a:spcAft>
+                <a:spcPct val="0"/>
+              </a:spcAft>
+              <a:buClr>
+                <a:srgbClr val="F0AB00"/>
+              </a:buClr>
+              <a:buSzPct val="80000"/>
+            </a:pPr>
+            <a:r>
+              <a:rPr lang="en-US" sz="1800" kern="0" dirty="0" smtClean="0">
+                <a:ea typeface="Arial Unicode MS" pitchFamily="34" charset="-128"/>
+                <a:cs typeface="Arial Unicode MS" pitchFamily="34" charset="-128"/>
+              </a:rPr>
+              <a:t>Reporting per period </a:t>
+            </a:r>
+            <a:endParaRPr lang="en-US" sz="1800" kern="0" dirty="0" smtClean="0">
+              <a:ea typeface="Arial Unicode MS" pitchFamily="34" charset="-128"/>
+              <a:cs typeface="Arial Unicode MS" pitchFamily="34" charset="-128"/>
+            </a:endParaRPr>
+          </a:p>
+        </p:txBody>
+      </p:sp>
     </p:spTree>
     <p:extLst>
       <p:ext uri="{BB962C8B-B14F-4D97-AF65-F5344CB8AC3E}">
@@ -15278,6 +16590,625 @@
           </a:p>
         </p:txBody>
       </p:sp>
+      <p:pic>
+        <p:nvPicPr>
+          <p:cNvPr id="6" name="Picture 5"/>
+          <p:cNvPicPr>
+            <a:picLocks noChangeAspect="1"/>
+          </p:cNvPicPr>
+          <p:nvPr/>
+        </p:nvPicPr>
+        <p:blipFill>
+          <a:blip r:embed="rId2"/>
+          <a:stretch>
+            <a:fillRect/>
+          </a:stretch>
+        </p:blipFill>
+        <p:spPr>
+          <a:xfrm>
+            <a:off x="370231" y="1241435"/>
+            <a:ext cx="6287193" cy="2028404"/>
+          </a:xfrm>
+          <a:prstGeom prst="rect">
+            <a:avLst/>
+          </a:prstGeom>
+        </p:spPr>
+      </p:pic>
+      <p:sp>
+        <p:nvSpPr>
+          <p:cNvPr id="8" name="TextBox 7"/>
+          <p:cNvSpPr txBox="1"/>
+          <p:nvPr/>
+        </p:nvSpPr>
+        <p:spPr>
+          <a:xfrm>
+            <a:off x="343481" y="3835625"/>
+            <a:ext cx="5753119" cy="1308050"/>
+          </a:xfrm>
+          <a:prstGeom prst="rect">
+            <a:avLst/>
+          </a:prstGeom>
+          <a:noFill/>
+        </p:spPr>
+        <p:txBody>
+          <a:bodyPr wrap="square" lIns="0" tIns="0" rIns="0" bIns="0" rtlCol="0">
+            <a:spAutoFit/>
+          </a:bodyPr>
+          <a:lstStyle/>
+          <a:p>
+            <a:pPr marL="285750" indent="-285750" fontAlgn="base">
+              <a:spcBef>
+                <a:spcPts val="600"/>
+              </a:spcBef>
+              <a:spcAft>
+                <a:spcPct val="0"/>
+              </a:spcAft>
+              <a:buClr>
+                <a:srgbClr val="F0AB00"/>
+              </a:buClr>
+              <a:buSzPct val="80000"/>
+              <a:buFont typeface="Arial" panose="020B0604020202020204" pitchFamily="34" charset="0"/>
+              <a:buChar char="•"/>
+            </a:pPr>
+            <a:r>
+              <a:rPr lang="en-US" altLang="zh-CN" sz="1600" kern="0" dirty="0" smtClean="0">
+                <a:ea typeface="Arial Unicode MS" pitchFamily="34" charset="-128"/>
+                <a:cs typeface="Arial Unicode MS" pitchFamily="34" charset="-128"/>
+              </a:rPr>
+              <a:t>In the future, cost must be changed from straight line recognition to match the revenue recognition pattern.</a:t>
+            </a:r>
+          </a:p>
+          <a:p>
+            <a:pPr marL="285750" indent="-285750" fontAlgn="base">
+              <a:spcBef>
+                <a:spcPts val="600"/>
+              </a:spcBef>
+              <a:spcAft>
+                <a:spcPct val="0"/>
+              </a:spcAft>
+              <a:buClr>
+                <a:srgbClr val="F0AB00"/>
+              </a:buClr>
+              <a:buSzPct val="80000"/>
+              <a:buFont typeface="Arial" panose="020B0604020202020204" pitchFamily="34" charset="0"/>
+              <a:buChar char="•"/>
+            </a:pPr>
+            <a:r>
+              <a:rPr lang="en-US" sz="1600" kern="0" dirty="0" smtClean="0">
+                <a:ea typeface="Arial Unicode MS" pitchFamily="34" charset="-128"/>
+                <a:cs typeface="Arial Unicode MS" pitchFamily="34" charset="-128"/>
+              </a:rPr>
+              <a:t>MSFT is sending cost information on leading POB and set the POC of leading POB to match the revenue recognition progress</a:t>
+            </a:r>
+          </a:p>
+        </p:txBody>
+      </p:sp>
+      <p:sp>
+        <p:nvSpPr>
+          <p:cNvPr id="9" name="Rectangle 8"/>
+          <p:cNvSpPr/>
+          <p:nvPr/>
+        </p:nvSpPr>
+        <p:spPr bwMode="gray">
+          <a:xfrm>
+            <a:off x="7592560" y="4318251"/>
+            <a:ext cx="1893536" cy="404602"/>
+          </a:xfrm>
+          <a:prstGeom prst="rect">
+            <a:avLst/>
+          </a:prstGeom>
+          <a:solidFill>
+            <a:schemeClr val="accent1"/>
+          </a:solidFill>
+          <a:ln w="6350" algn="ctr">
+            <a:noFill/>
+            <a:miter lim="800000"/>
+            <a:headEnd/>
+            <a:tailEnd/>
+          </a:ln>
+        </p:spPr>
+        <p:txBody>
+          <a:bodyPr lIns="90000" tIns="72000" rIns="90000" bIns="72000" rtlCol="0" anchor="ctr"/>
+          <a:lstStyle/>
+          <a:p>
+            <a:pPr marR="0" algn="ctr" defTabSz="914400" eaLnBrk="1" fontAlgn="base" latinLnBrk="0" hangingPunct="1">
+              <a:lnSpc>
+                <a:spcPct val="100000"/>
+              </a:lnSpc>
+              <a:spcBef>
+                <a:spcPct val="50000"/>
+              </a:spcBef>
+              <a:spcAft>
+                <a:spcPct val="0"/>
+              </a:spcAft>
+              <a:buClr>
+                <a:srgbClr val="F0AB00"/>
+              </a:buClr>
+              <a:buSzPct val="80000"/>
+              <a:tabLst/>
+            </a:pPr>
+            <a:r>
+              <a:rPr lang="en-US" sz="2000" kern="0" dirty="0" smtClean="0">
+                <a:ea typeface="Arial Unicode MS" pitchFamily="34" charset="-128"/>
+                <a:cs typeface="Arial Unicode MS" pitchFamily="34" charset="-128"/>
+              </a:rPr>
+              <a:t>Linked POB</a:t>
+            </a:r>
+            <a:endParaRPr kumimoji="0" lang="en-US" sz="2000" b="0" i="0" u="none" strike="noStrike" kern="0" cap="none" spc="0" normalizeH="0" baseline="0" noProof="0" dirty="0" err="1" smtClean="0">
+              <a:ln>
+                <a:noFill/>
+              </a:ln>
+              <a:effectLst/>
+              <a:uLnTx/>
+              <a:uFillTx/>
+              <a:ea typeface="Arial Unicode MS" pitchFamily="34" charset="-128"/>
+              <a:cs typeface="Arial Unicode MS" pitchFamily="34" charset="-128"/>
+            </a:endParaRPr>
+          </a:p>
+        </p:txBody>
+      </p:sp>
+      <p:sp>
+        <p:nvSpPr>
+          <p:cNvPr id="10" name="Rectangle 9"/>
+          <p:cNvSpPr/>
+          <p:nvPr/>
+        </p:nvSpPr>
+        <p:spPr bwMode="gray">
+          <a:xfrm>
+            <a:off x="7581995" y="3682699"/>
+            <a:ext cx="1893536" cy="404602"/>
+          </a:xfrm>
+          <a:prstGeom prst="rect">
+            <a:avLst/>
+          </a:prstGeom>
+          <a:solidFill>
+            <a:schemeClr val="accent1"/>
+          </a:solidFill>
+          <a:ln w="6350" algn="ctr">
+            <a:noFill/>
+            <a:miter lim="800000"/>
+            <a:headEnd/>
+            <a:tailEnd/>
+          </a:ln>
+        </p:spPr>
+        <p:txBody>
+          <a:bodyPr lIns="90000" tIns="72000" rIns="90000" bIns="72000" rtlCol="0" anchor="ctr"/>
+          <a:lstStyle/>
+          <a:p>
+            <a:pPr marR="0" algn="ctr" defTabSz="914400" eaLnBrk="1" fontAlgn="base" latinLnBrk="0" hangingPunct="1">
+              <a:lnSpc>
+                <a:spcPct val="100000"/>
+              </a:lnSpc>
+              <a:spcBef>
+                <a:spcPct val="50000"/>
+              </a:spcBef>
+              <a:spcAft>
+                <a:spcPct val="0"/>
+              </a:spcAft>
+              <a:buClr>
+                <a:srgbClr val="F0AB00"/>
+              </a:buClr>
+              <a:buSzPct val="80000"/>
+              <a:tabLst/>
+            </a:pPr>
+            <a:r>
+              <a:rPr lang="en-US" sz="2000" kern="0" dirty="0" smtClean="0">
+                <a:ea typeface="Arial Unicode MS" pitchFamily="34" charset="-128"/>
+                <a:cs typeface="Arial Unicode MS" pitchFamily="34" charset="-128"/>
+              </a:rPr>
+              <a:t>Leading POB</a:t>
+            </a:r>
+            <a:endParaRPr kumimoji="0" lang="en-US" sz="2000" b="0" i="0" u="none" strike="noStrike" kern="0" cap="none" spc="0" normalizeH="0" baseline="0" noProof="0" dirty="0" err="1" smtClean="0">
+              <a:ln>
+                <a:noFill/>
+              </a:ln>
+              <a:effectLst/>
+              <a:uLnTx/>
+              <a:uFillTx/>
+              <a:ea typeface="Arial Unicode MS" pitchFamily="34" charset="-128"/>
+              <a:cs typeface="Arial Unicode MS" pitchFamily="34" charset="-128"/>
+            </a:endParaRPr>
+          </a:p>
+        </p:txBody>
+      </p:sp>
+      <p:sp>
+        <p:nvSpPr>
+          <p:cNvPr id="11" name="Rectangle 10"/>
+          <p:cNvSpPr/>
+          <p:nvPr/>
+        </p:nvSpPr>
+        <p:spPr bwMode="gray">
+          <a:xfrm>
+            <a:off x="7592560" y="4938442"/>
+            <a:ext cx="1893536" cy="404602"/>
+          </a:xfrm>
+          <a:prstGeom prst="rect">
+            <a:avLst/>
+          </a:prstGeom>
+          <a:solidFill>
+            <a:schemeClr val="accent1"/>
+          </a:solidFill>
+          <a:ln w="6350" algn="ctr">
+            <a:noFill/>
+            <a:miter lim="800000"/>
+            <a:headEnd/>
+            <a:tailEnd/>
+          </a:ln>
+        </p:spPr>
+        <p:txBody>
+          <a:bodyPr lIns="90000" tIns="72000" rIns="90000" bIns="72000" rtlCol="0" anchor="ctr"/>
+          <a:lstStyle/>
+          <a:p>
+            <a:pPr marR="0" algn="ctr" defTabSz="914400" eaLnBrk="1" fontAlgn="base" latinLnBrk="0" hangingPunct="1">
+              <a:lnSpc>
+                <a:spcPct val="100000"/>
+              </a:lnSpc>
+              <a:spcBef>
+                <a:spcPct val="50000"/>
+              </a:spcBef>
+              <a:spcAft>
+                <a:spcPct val="0"/>
+              </a:spcAft>
+              <a:buClr>
+                <a:srgbClr val="F0AB00"/>
+              </a:buClr>
+              <a:buSzPct val="80000"/>
+              <a:tabLst/>
+            </a:pPr>
+            <a:r>
+              <a:rPr lang="en-US" sz="2000" kern="0" dirty="0" smtClean="0">
+                <a:ea typeface="Arial Unicode MS" pitchFamily="34" charset="-128"/>
+                <a:cs typeface="Arial Unicode MS" pitchFamily="34" charset="-128"/>
+              </a:rPr>
+              <a:t>Linked POB</a:t>
+            </a:r>
+            <a:endParaRPr kumimoji="0" lang="en-US" sz="2000" b="0" i="0" u="none" strike="noStrike" kern="0" cap="none" spc="0" normalizeH="0" baseline="0" noProof="0" dirty="0" err="1" smtClean="0">
+              <a:ln>
+                <a:noFill/>
+              </a:ln>
+              <a:effectLst/>
+              <a:uLnTx/>
+              <a:uFillTx/>
+              <a:ea typeface="Arial Unicode MS" pitchFamily="34" charset="-128"/>
+              <a:cs typeface="Arial Unicode MS" pitchFamily="34" charset="-128"/>
+            </a:endParaRPr>
+          </a:p>
+        </p:txBody>
+      </p:sp>
+      <p:sp>
+        <p:nvSpPr>
+          <p:cNvPr id="12" name="TextBox 11"/>
+          <p:cNvSpPr txBox="1"/>
+          <p:nvPr/>
+        </p:nvSpPr>
+        <p:spPr>
+          <a:xfrm>
+            <a:off x="10764635" y="3885000"/>
+            <a:ext cx="1104565" cy="430887"/>
+          </a:xfrm>
+          <a:prstGeom prst="rect">
+            <a:avLst/>
+          </a:prstGeom>
+          <a:noFill/>
+        </p:spPr>
+        <p:txBody>
+          <a:bodyPr wrap="square" lIns="0" tIns="0" rIns="0" bIns="0" rtlCol="0">
+            <a:spAutoFit/>
+          </a:bodyPr>
+          <a:lstStyle/>
+          <a:p>
+            <a:pPr fontAlgn="base">
+              <a:spcBef>
+                <a:spcPts val="600"/>
+              </a:spcBef>
+              <a:spcAft>
+                <a:spcPct val="0"/>
+              </a:spcAft>
+              <a:buClr>
+                <a:srgbClr val="F0AB00"/>
+              </a:buClr>
+              <a:buSzPct val="80000"/>
+            </a:pPr>
+            <a:r>
+              <a:rPr lang="en-US" sz="1400" kern="0" dirty="0" smtClean="0">
+                <a:ea typeface="Arial Unicode MS" pitchFamily="34" charset="-128"/>
+                <a:cs typeface="Arial Unicode MS" pitchFamily="34" charset="-128"/>
+              </a:rPr>
+              <a:t>Revenue allocation</a:t>
+            </a:r>
+          </a:p>
+        </p:txBody>
+      </p:sp>
+      <p:sp>
+        <p:nvSpPr>
+          <p:cNvPr id="14" name="TextBox 13"/>
+          <p:cNvSpPr txBox="1"/>
+          <p:nvPr/>
+        </p:nvSpPr>
+        <p:spPr>
+          <a:xfrm>
+            <a:off x="9672213" y="4460168"/>
+            <a:ext cx="1720306" cy="276999"/>
+          </a:xfrm>
+          <a:prstGeom prst="rect">
+            <a:avLst/>
+          </a:prstGeom>
+          <a:noFill/>
+        </p:spPr>
+        <p:txBody>
+          <a:bodyPr wrap="square" lIns="0" tIns="0" rIns="0" bIns="0" rtlCol="0">
+            <a:spAutoFit/>
+          </a:bodyPr>
+          <a:lstStyle/>
+          <a:p>
+            <a:pPr fontAlgn="base">
+              <a:spcBef>
+                <a:spcPts val="600"/>
+              </a:spcBef>
+              <a:spcAft>
+                <a:spcPct val="0"/>
+              </a:spcAft>
+              <a:buClr>
+                <a:srgbClr val="F0AB00"/>
+              </a:buClr>
+              <a:buSzPct val="80000"/>
+            </a:pPr>
+            <a:r>
+              <a:rPr lang="en-US" sz="1800" kern="0" dirty="0" smtClean="0">
+                <a:ea typeface="Arial Unicode MS" pitchFamily="34" charset="-128"/>
+                <a:cs typeface="Arial Unicode MS" pitchFamily="34" charset="-128"/>
+              </a:rPr>
+              <a:t>Revenue</a:t>
+            </a:r>
+          </a:p>
+        </p:txBody>
+      </p:sp>
+      <p:sp>
+        <p:nvSpPr>
+          <p:cNvPr id="15" name="TextBox 14"/>
+          <p:cNvSpPr txBox="1"/>
+          <p:nvPr/>
+        </p:nvSpPr>
+        <p:spPr>
+          <a:xfrm>
+            <a:off x="9753134" y="5002243"/>
+            <a:ext cx="1720306" cy="276999"/>
+          </a:xfrm>
+          <a:prstGeom prst="rect">
+            <a:avLst/>
+          </a:prstGeom>
+          <a:noFill/>
+        </p:spPr>
+        <p:txBody>
+          <a:bodyPr wrap="square" lIns="0" tIns="0" rIns="0" bIns="0" rtlCol="0">
+            <a:spAutoFit/>
+          </a:bodyPr>
+          <a:lstStyle/>
+          <a:p>
+            <a:pPr fontAlgn="base">
+              <a:spcBef>
+                <a:spcPts val="600"/>
+              </a:spcBef>
+              <a:spcAft>
+                <a:spcPct val="0"/>
+              </a:spcAft>
+              <a:buClr>
+                <a:srgbClr val="F0AB00"/>
+              </a:buClr>
+              <a:buSzPct val="80000"/>
+            </a:pPr>
+            <a:r>
+              <a:rPr lang="en-US" sz="1800" kern="0" dirty="0" smtClean="0">
+                <a:ea typeface="Arial Unicode MS" pitchFamily="34" charset="-128"/>
+                <a:cs typeface="Arial Unicode MS" pitchFamily="34" charset="-128"/>
+              </a:rPr>
+              <a:t>Revenue</a:t>
+            </a:r>
+          </a:p>
+        </p:txBody>
+      </p:sp>
+      <p:sp>
+        <p:nvSpPr>
+          <p:cNvPr id="17" name="Curved Left Arrow 16"/>
+          <p:cNvSpPr/>
+          <p:nvPr/>
+        </p:nvSpPr>
+        <p:spPr bwMode="gray">
+          <a:xfrm>
+            <a:off x="9975663" y="3851341"/>
+            <a:ext cx="299405" cy="619347"/>
+          </a:xfrm>
+          <a:prstGeom prst="curvedLeftArrow">
+            <a:avLst/>
+          </a:prstGeom>
+          <a:solidFill>
+            <a:schemeClr val="accent1"/>
+          </a:solidFill>
+          <a:ln w="6350" algn="ctr">
+            <a:noFill/>
+            <a:miter lim="800000"/>
+            <a:headEnd/>
+            <a:tailEnd/>
+          </a:ln>
+        </p:spPr>
+        <p:txBody>
+          <a:bodyPr lIns="90000" tIns="72000" rIns="90000" bIns="72000" rtlCol="0" anchor="ctr"/>
+          <a:lstStyle/>
+          <a:p>
+            <a:pPr marR="0" algn="ctr" defTabSz="914400" eaLnBrk="1" fontAlgn="base" latinLnBrk="0" hangingPunct="1">
+              <a:lnSpc>
+                <a:spcPct val="100000"/>
+              </a:lnSpc>
+              <a:spcBef>
+                <a:spcPct val="50000"/>
+              </a:spcBef>
+              <a:spcAft>
+                <a:spcPct val="0"/>
+              </a:spcAft>
+              <a:buClr>
+                <a:srgbClr val="F0AB00"/>
+              </a:buClr>
+              <a:buSzPct val="80000"/>
+              <a:tabLst/>
+            </a:pPr>
+            <a:endParaRPr kumimoji="0" lang="en-US" sz="2000" b="0" i="0" u="none" strike="noStrike" kern="0" cap="none" spc="0" normalizeH="0" baseline="0" noProof="0" dirty="0" err="1" smtClean="0">
+              <a:ln>
+                <a:noFill/>
+              </a:ln>
+              <a:effectLst/>
+              <a:uLnTx/>
+              <a:uFillTx/>
+              <a:ea typeface="Arial Unicode MS" pitchFamily="34" charset="-128"/>
+              <a:cs typeface="Arial Unicode MS" pitchFamily="34" charset="-128"/>
+            </a:endParaRPr>
+          </a:p>
+        </p:txBody>
+      </p:sp>
+      <p:sp>
+        <p:nvSpPr>
+          <p:cNvPr id="18" name="Curved Left Arrow 17"/>
+          <p:cNvSpPr/>
+          <p:nvPr/>
+        </p:nvSpPr>
+        <p:spPr bwMode="gray">
+          <a:xfrm>
+            <a:off x="10152787" y="3805914"/>
+            <a:ext cx="416742" cy="1204177"/>
+          </a:xfrm>
+          <a:prstGeom prst="curvedLeftArrow">
+            <a:avLst/>
+          </a:prstGeom>
+          <a:solidFill>
+            <a:schemeClr val="accent1"/>
+          </a:solidFill>
+          <a:ln w="6350" algn="ctr">
+            <a:noFill/>
+            <a:miter lim="800000"/>
+            <a:headEnd/>
+            <a:tailEnd/>
+          </a:ln>
+        </p:spPr>
+        <p:txBody>
+          <a:bodyPr lIns="90000" tIns="72000" rIns="90000" bIns="72000" rtlCol="0" anchor="ctr"/>
+          <a:lstStyle/>
+          <a:p>
+            <a:pPr marR="0" algn="ctr" defTabSz="914400" eaLnBrk="1" fontAlgn="base" latinLnBrk="0" hangingPunct="1">
+              <a:lnSpc>
+                <a:spcPct val="100000"/>
+              </a:lnSpc>
+              <a:spcBef>
+                <a:spcPct val="50000"/>
+              </a:spcBef>
+              <a:spcAft>
+                <a:spcPct val="0"/>
+              </a:spcAft>
+              <a:buClr>
+                <a:srgbClr val="F0AB00"/>
+              </a:buClr>
+              <a:buSzPct val="80000"/>
+              <a:tabLst/>
+            </a:pPr>
+            <a:endParaRPr kumimoji="0" lang="en-US" sz="2000" b="0" i="0" u="none" strike="noStrike" kern="0" cap="none" spc="0" normalizeH="0" baseline="0" noProof="0" dirty="0" err="1" smtClean="0">
+              <a:ln>
+                <a:noFill/>
+              </a:ln>
+              <a:effectLst/>
+              <a:uLnTx/>
+              <a:uFillTx/>
+              <a:ea typeface="Arial Unicode MS" pitchFamily="34" charset="-128"/>
+              <a:cs typeface="Arial Unicode MS" pitchFamily="34" charset="-128"/>
+            </a:endParaRPr>
+          </a:p>
+        </p:txBody>
+      </p:sp>
+      <p:sp>
+        <p:nvSpPr>
+          <p:cNvPr id="19" name="TextBox 18"/>
+          <p:cNvSpPr txBox="1"/>
+          <p:nvPr/>
+        </p:nvSpPr>
+        <p:spPr>
+          <a:xfrm>
+            <a:off x="6912883" y="3535173"/>
+            <a:ext cx="580550" cy="276999"/>
+          </a:xfrm>
+          <a:prstGeom prst="rect">
+            <a:avLst/>
+          </a:prstGeom>
+          <a:noFill/>
+        </p:spPr>
+        <p:txBody>
+          <a:bodyPr wrap="square" lIns="0" tIns="0" rIns="0" bIns="0" rtlCol="0">
+            <a:spAutoFit/>
+          </a:bodyPr>
+          <a:lstStyle/>
+          <a:p>
+            <a:pPr fontAlgn="base">
+              <a:spcBef>
+                <a:spcPts val="600"/>
+              </a:spcBef>
+              <a:spcAft>
+                <a:spcPct val="0"/>
+              </a:spcAft>
+              <a:buClr>
+                <a:srgbClr val="F0AB00"/>
+              </a:buClr>
+              <a:buSzPct val="80000"/>
+            </a:pPr>
+            <a:r>
+              <a:rPr lang="en-US" sz="1800" kern="0" dirty="0" smtClean="0">
+                <a:ea typeface="Arial Unicode MS" pitchFamily="34" charset="-128"/>
+                <a:cs typeface="Arial Unicode MS" pitchFamily="34" charset="-128"/>
+              </a:rPr>
+              <a:t>Cost</a:t>
+            </a:r>
+          </a:p>
+        </p:txBody>
+      </p:sp>
+      <p:sp>
+        <p:nvSpPr>
+          <p:cNvPr id="20" name="TextBox 19"/>
+          <p:cNvSpPr txBox="1"/>
+          <p:nvPr/>
+        </p:nvSpPr>
+        <p:spPr>
+          <a:xfrm>
+            <a:off x="6652938" y="3851341"/>
+            <a:ext cx="939622" cy="307777"/>
+          </a:xfrm>
+          <a:prstGeom prst="rect">
+            <a:avLst/>
+          </a:prstGeom>
+          <a:noFill/>
+        </p:spPr>
+        <p:txBody>
+          <a:bodyPr wrap="square" lIns="0" tIns="0" rIns="0" bIns="0" rtlCol="0">
+            <a:spAutoFit/>
+          </a:bodyPr>
+          <a:lstStyle/>
+          <a:p>
+            <a:pPr fontAlgn="base">
+              <a:spcBef>
+                <a:spcPts val="600"/>
+              </a:spcBef>
+              <a:spcAft>
+                <a:spcPct val="0"/>
+              </a:spcAft>
+              <a:buClr>
+                <a:srgbClr val="F0AB00"/>
+              </a:buClr>
+              <a:buSzPct val="80000"/>
+            </a:pPr>
+            <a:r>
+              <a:rPr lang="en-US" sz="1000" kern="0" dirty="0" smtClean="0">
+                <a:ea typeface="Arial Unicode MS" pitchFamily="34" charset="-128"/>
+                <a:cs typeface="Arial Unicode MS" pitchFamily="34" charset="-128"/>
+              </a:rPr>
+              <a:t>Fulfilled by the POC of revenue</a:t>
+            </a:r>
+          </a:p>
+        </p:txBody>
+      </p:sp>
     </p:spTree>
     <p:extLst>
       <p:ext uri="{BB962C8B-B14F-4D97-AF65-F5344CB8AC3E}">
@@ -15288,6 +17219,13 @@
   <p:clrMapOvr>
     <a:masterClrMapping/>
   </p:clrMapOvr>
+  <p:timing>
+    <p:tnLst>
+      <p:par>
+        <p:cTn id="1" dur="indefinite" restart="never" nodeType="tmRoot"/>
+      </p:par>
+    </p:tnLst>
+  </p:timing>
 </p:sld>
 </file>
 
@@ -15325,9 +17263,205 @@
           <a:p>
             <a:r>
               <a:rPr lang="en-US" dirty="0" smtClean="0"/>
-              <a:t>Intercompany process</a:t>
+              <a:t>Other topics</a:t>
             </a:r>
             <a:endParaRPr lang="en-US" dirty="0"/>
+          </a:p>
+        </p:txBody>
+      </p:sp>
+      <p:sp>
+        <p:nvSpPr>
+          <p:cNvPr id="3" name="TextBox 2"/>
+          <p:cNvSpPr txBox="1"/>
+          <p:nvPr/>
+        </p:nvSpPr>
+        <p:spPr>
+          <a:xfrm>
+            <a:off x="519953" y="1810871"/>
+            <a:ext cx="10981765" cy="2708434"/>
+          </a:xfrm>
+          <a:prstGeom prst="rect">
+            <a:avLst/>
+          </a:prstGeom>
+          <a:noFill/>
+        </p:spPr>
+        <p:txBody>
+          <a:bodyPr wrap="square" lIns="0" tIns="0" rIns="0" bIns="0" rtlCol="0">
+            <a:spAutoFit/>
+          </a:bodyPr>
+          <a:lstStyle/>
+          <a:p>
+            <a:pPr marL="285750" indent="-285750" fontAlgn="base">
+              <a:spcBef>
+                <a:spcPts val="600"/>
+              </a:spcBef>
+              <a:spcAft>
+                <a:spcPct val="0"/>
+              </a:spcAft>
+              <a:buClr>
+                <a:srgbClr val="F0AB00"/>
+              </a:buClr>
+              <a:buSzPct val="80000"/>
+              <a:buFont typeface="Arial" panose="020B0604020202020204" pitchFamily="34" charset="0"/>
+              <a:buChar char="•"/>
+            </a:pPr>
+            <a:r>
+              <a:rPr lang="en-US" sz="2000" kern="0" dirty="0" smtClean="0">
+                <a:ea typeface="Arial Unicode MS" pitchFamily="34" charset="-128"/>
+                <a:cs typeface="Arial Unicode MS" pitchFamily="34" charset="-128"/>
+              </a:rPr>
+              <a:t>Cumulative catchup: </a:t>
+            </a:r>
+            <a:r>
+              <a:rPr lang="en-US" sz="2000" kern="0" dirty="0" smtClean="0">
+                <a:ea typeface="Arial Unicode MS" pitchFamily="34" charset="-128"/>
+                <a:cs typeface="Arial Unicode MS" pitchFamily="34" charset="-128"/>
+              </a:rPr>
+              <a:t>Get to know cont</a:t>
+            </a:r>
+            <a:r>
+              <a:rPr lang="en-US" sz="2000" kern="0" dirty="0" smtClean="0">
+                <a:ea typeface="Arial Unicode MS" pitchFamily="34" charset="-128"/>
+                <a:cs typeface="Arial Unicode MS" pitchFamily="34" charset="-128"/>
+              </a:rPr>
+              <a:t>ribution of past the period when change happens within the fiscal year for Management Reporting.</a:t>
+            </a:r>
+          </a:p>
+          <a:p>
+            <a:pPr marL="285750" indent="-285750" fontAlgn="base">
+              <a:spcBef>
+                <a:spcPts val="600"/>
+              </a:spcBef>
+              <a:spcAft>
+                <a:spcPct val="0"/>
+              </a:spcAft>
+              <a:buClr>
+                <a:srgbClr val="F0AB00"/>
+              </a:buClr>
+              <a:buSzPct val="80000"/>
+              <a:buFont typeface="Arial" panose="020B0604020202020204" pitchFamily="34" charset="0"/>
+              <a:buChar char="•"/>
+            </a:pPr>
+            <a:r>
+              <a:rPr lang="en-US" sz="2000" kern="0" dirty="0" smtClean="0">
+                <a:ea typeface="Arial Unicode MS" pitchFamily="34" charset="-128"/>
+                <a:cs typeface="Arial Unicode MS" pitchFamily="34" charset="-128"/>
+              </a:rPr>
+              <a:t>Usability: Excel-like input screen across contracts </a:t>
+            </a:r>
+          </a:p>
+          <a:p>
+            <a:pPr marL="285750" indent="-285750" fontAlgn="base">
+              <a:spcBef>
+                <a:spcPts val="600"/>
+              </a:spcBef>
+              <a:spcAft>
+                <a:spcPct val="0"/>
+              </a:spcAft>
+              <a:buClr>
+                <a:srgbClr val="F0AB00"/>
+              </a:buClr>
+              <a:buSzPct val="80000"/>
+              <a:buFont typeface="Arial" panose="020B0604020202020204" pitchFamily="34" charset="0"/>
+              <a:buChar char="•"/>
+            </a:pPr>
+            <a:r>
+              <a:rPr lang="en-US" sz="2000" kern="0" dirty="0" smtClean="0">
+                <a:ea typeface="Arial Unicode MS" pitchFamily="34" charset="-128"/>
+                <a:cs typeface="Arial Unicode MS" pitchFamily="34" charset="-128"/>
+              </a:rPr>
+              <a:t>Process: </a:t>
+            </a:r>
+            <a:r>
+              <a:rPr lang="en-US" sz="2000" kern="0" smtClean="0">
+                <a:ea typeface="Arial Unicode MS" pitchFamily="34" charset="-128"/>
+                <a:cs typeface="Arial Unicode MS" pitchFamily="34" charset="-128"/>
+              </a:rPr>
+              <a:t>Setup several </a:t>
+            </a:r>
+            <a:r>
+              <a:rPr lang="en-US" sz="2000" kern="0" dirty="0" smtClean="0">
+                <a:ea typeface="Arial Unicode MS" pitchFamily="34" charset="-128"/>
+                <a:cs typeface="Arial Unicode MS" pitchFamily="34" charset="-128"/>
+              </a:rPr>
+              <a:t>review reasons</a:t>
+            </a:r>
+          </a:p>
+          <a:p>
+            <a:pPr marL="285750" indent="-285750" fontAlgn="base">
+              <a:spcBef>
+                <a:spcPts val="600"/>
+              </a:spcBef>
+              <a:spcAft>
+                <a:spcPct val="0"/>
+              </a:spcAft>
+              <a:buClr>
+                <a:srgbClr val="F0AB00"/>
+              </a:buClr>
+              <a:buSzPct val="80000"/>
+              <a:buFont typeface="Arial" panose="020B0604020202020204" pitchFamily="34" charset="0"/>
+              <a:buChar char="•"/>
+            </a:pPr>
+            <a:r>
+              <a:rPr lang="en-US" sz="2000" kern="0" dirty="0" smtClean="0">
+                <a:ea typeface="Arial Unicode MS" pitchFamily="34" charset="-128"/>
+                <a:cs typeface="Arial Unicode MS" pitchFamily="34" charset="-128"/>
+              </a:rPr>
+              <a:t>Search Contract by Invoice#</a:t>
+            </a:r>
+          </a:p>
+          <a:p>
+            <a:pPr marL="285750" indent="-285750" fontAlgn="base">
+              <a:spcBef>
+                <a:spcPts val="600"/>
+              </a:spcBef>
+              <a:spcAft>
+                <a:spcPct val="0"/>
+              </a:spcAft>
+              <a:buClr>
+                <a:srgbClr val="F0AB00"/>
+              </a:buClr>
+              <a:buSzPct val="80000"/>
+              <a:buFont typeface="Arial" panose="020B0604020202020204" pitchFamily="34" charset="0"/>
+              <a:buChar char="•"/>
+            </a:pPr>
+            <a:r>
+              <a:rPr lang="en-US" sz="2000" kern="0" dirty="0" smtClean="0">
+                <a:ea typeface="Arial Unicode MS" pitchFamily="34" charset="-128"/>
+                <a:cs typeface="Arial Unicode MS" pitchFamily="34" charset="-128"/>
+              </a:rPr>
+              <a:t>Intercompany process: no additional requirement</a:t>
+            </a:r>
+            <a:r>
+              <a:rPr lang="en-US" sz="2000" kern="0" dirty="0" smtClean="0">
+                <a:ea typeface="Arial Unicode MS" pitchFamily="34" charset="-128"/>
+                <a:cs typeface="Arial Unicode MS" pitchFamily="34" charset="-128"/>
+              </a:rPr>
+              <a:t/>
+            </a:r>
+            <a:br>
+              <a:rPr lang="en-US" sz="2000" kern="0" dirty="0" smtClean="0">
+                <a:ea typeface="Arial Unicode MS" pitchFamily="34" charset="-128"/>
+                <a:cs typeface="Arial Unicode MS" pitchFamily="34" charset="-128"/>
+              </a:rPr>
+            </a:br>
+            <a:r>
+              <a:rPr lang="en-US" sz="1800" kern="0" dirty="0" smtClean="0">
+                <a:ea typeface="Arial Unicode MS" pitchFamily="34" charset="-128"/>
+                <a:cs typeface="Arial Unicode MS" pitchFamily="34" charset="-128"/>
+              </a:rPr>
+              <a:t/>
+            </a:r>
+            <a:br>
+              <a:rPr lang="en-US" sz="1800" kern="0" dirty="0" smtClean="0">
+                <a:ea typeface="Arial Unicode MS" pitchFamily="34" charset="-128"/>
+                <a:cs typeface="Arial Unicode MS" pitchFamily="34" charset="-128"/>
+              </a:rPr>
+            </a:br>
+            <a:endParaRPr lang="en-US" sz="1800" kern="0" dirty="0" smtClean="0">
+              <a:ea typeface="Arial Unicode MS" pitchFamily="34" charset="-128"/>
+              <a:cs typeface="Arial Unicode MS" pitchFamily="34" charset="-128"/>
+            </a:endParaRPr>
           </a:p>
         </p:txBody>
       </p:sp>
@@ -15341,6 +17475,13 @@
   <p:clrMapOvr>
     <a:masterClrMapping/>
   </p:clrMapOvr>
+  <p:timing>
+    <p:tnLst>
+      <p:par>
+        <p:cTn id="1" dur="indefinite" restart="never" nodeType="tmRoot"/>
+      </p:par>
+    </p:tnLst>
+  </p:timing>
 </p:sld>
 </file>
 

--- a/Slides/MSFT_Requirement.pptx
+++ b/Slides/MSFT_Requirement.pptx
@@ -7272,10 +7272,6 @@
               <a:rPr lang="en-US" sz="1800" dirty="0" smtClean="0"/>
               <a:t>Xin Fang</a:t>
             </a:r>
-            <a:r>
-              <a:rPr lang="en-US" sz="1800" dirty="0" smtClean="0"/>
-              <a:t/>
-            </a:r>
             <a:br>
               <a:rPr lang="en-US" sz="1800" dirty="0" smtClean="0"/>
             </a:br>
@@ -7283,7 +7279,6 @@
               <a:rPr lang="en-US" sz="1800" dirty="0" smtClean="0"/>
               <a:t>Jan. 2017</a:t>
             </a:r>
-            <a:endParaRPr lang="en-US" sz="1800" dirty="0" smtClean="0"/>
           </a:p>
         </p:txBody>
       </p:sp>
@@ -8145,19 +8140,7 @@
           <a:p>
             <a:r>
               <a:rPr lang="en-US" dirty="0" smtClean="0"/>
-              <a:t>Value Contract </a:t>
-            </a:r>
-            <a:r>
-              <a:rPr lang="en-US" dirty="0" smtClean="0"/>
-              <a:t>( Consumption-based </a:t>
-            </a:r>
-            <a:r>
-              <a:rPr lang="en-US" dirty="0" smtClean="0"/>
-              <a:t>Rev </a:t>
-            </a:r>
-            <a:r>
-              <a:rPr lang="en-US" dirty="0" smtClean="0"/>
-              <a:t>Rec )</a:t>
+              <a:t>Value Contract ( Consumption-based Rev Rec )</a:t>
             </a:r>
             <a:endParaRPr lang="en-US" dirty="0"/>
           </a:p>
@@ -11753,13 +11736,13 @@
               <a:tabLst/>
             </a:pPr>
             <a:r>
-              <a:rPr lang="en-US" sz="1000" kern="0" noProof="0" dirty="0" smtClean="0">
+              <a:rPr lang="en-US" sz="1000" b="1" kern="0" noProof="0" dirty="0" smtClean="0">
                 <a:ea typeface="Arial Unicode MS" pitchFamily="34" charset="-128"/>
                 <a:cs typeface="Arial Unicode MS" pitchFamily="34" charset="-128"/>
               </a:rPr>
               <a:t>FARR_D_FUFILLMENT</a:t>
             </a:r>
-            <a:endParaRPr kumimoji="0" lang="en-US" sz="1000" b="0" i="0" u="none" strike="noStrike" kern="0" cap="none" spc="0" normalizeH="0" baseline="0" noProof="0" dirty="0" smtClean="0">
+            <a:endParaRPr kumimoji="0" lang="en-US" sz="1000" b="1" i="0" u="none" strike="noStrike" kern="0" cap="none" spc="0" normalizeH="0" baseline="0" noProof="0" dirty="0" smtClean="0">
               <a:ln>
                 <a:noFill/>
               </a:ln>
@@ -12503,7 +12486,7 @@
                 <a:ea typeface="Arial Unicode MS" pitchFamily="34" charset="-128"/>
                 <a:cs typeface="Arial Unicode MS" pitchFamily="34" charset="-128"/>
               </a:rPr>
-              <a:t>Invoice RAI</a:t>
+              <a:t>FARR_D_INVOICE</a:t>
             </a:r>
             <a:endParaRPr kumimoji="0" lang="en-US" sz="1400" b="0" i="0" u="none" strike="noStrike" kern="0" cap="none" spc="0" normalizeH="0" baseline="0" noProof="0" dirty="0" err="1" smtClean="0">
               <a:ln>
@@ -13408,7 +13391,7 @@
                 <a:ea typeface="Arial Unicode MS" pitchFamily="34" charset="-128"/>
                 <a:cs typeface="Arial Unicode MS" pitchFamily="34" charset="-128"/>
               </a:rPr>
-              <a:t>FARR_D_MAPPING</a:t>
+              <a:t>FARR_D_MAPPING_I</a:t>
             </a:r>
             <a:endParaRPr kumimoji="0" lang="en-US" sz="1000" b="0" i="0" u="none" strike="noStrike" kern="0" cap="none" spc="0" normalizeH="0" baseline="0" noProof="0" dirty="0" err="1" smtClean="0">
               <a:ln>
@@ -13833,7 +13816,7 @@
                 <a:ea typeface="Arial Unicode MS" pitchFamily="34" charset="-128"/>
                 <a:cs typeface="Arial Unicode MS" pitchFamily="34" charset="-128"/>
               </a:rPr>
-              <a:t>FARR_D_MAPPING</a:t>
+              <a:t>FARR_D_MAPPING_F</a:t>
             </a:r>
             <a:endParaRPr kumimoji="0" lang="en-US" sz="1000" b="0" i="0" u="none" strike="noStrike" kern="0" cap="none" spc="0" normalizeH="0" baseline="0" noProof="0" dirty="0" err="1" smtClean="0">
               <a:ln>
@@ -14038,6 +14021,150 @@
           <a:xfrm flipH="1">
             <a:off x="3034514" y="3987081"/>
             <a:ext cx="194208" cy="0"/>
+          </a:xfrm>
+          <a:prstGeom prst="straightConnector1">
+            <a:avLst/>
+          </a:prstGeom>
+          <a:ln w="6350">
+            <a:solidFill>
+              <a:schemeClr val="tx1"/>
+            </a:solidFill>
+            <a:tailEnd type="triangle"/>
+          </a:ln>
+        </p:spPr>
+        <p:style>
+          <a:lnRef idx="1">
+            <a:schemeClr val="accent1"/>
+          </a:lnRef>
+          <a:fillRef idx="0">
+            <a:schemeClr val="accent1"/>
+          </a:fillRef>
+          <a:effectRef idx="0">
+            <a:schemeClr val="accent1"/>
+          </a:effectRef>
+          <a:fontRef idx="minor">
+            <a:schemeClr val="tx1"/>
+          </a:fontRef>
+        </p:style>
+      </p:cxnSp>
+      <p:cxnSp>
+        <p:nvCxnSpPr>
+          <p:cNvPr id="39" name="Straight Arrow Connector 38"/>
+          <p:cNvCxnSpPr/>
+          <p:nvPr/>
+        </p:nvCxnSpPr>
+        <p:spPr>
+          <a:xfrm flipH="1">
+            <a:off x="5692975" y="2734289"/>
+            <a:ext cx="303223" cy="5800"/>
+          </a:xfrm>
+          <a:prstGeom prst="straightConnector1">
+            <a:avLst/>
+          </a:prstGeom>
+          <a:ln w="6350">
+            <a:solidFill>
+              <a:schemeClr val="tx1"/>
+            </a:solidFill>
+            <a:tailEnd type="triangle"/>
+          </a:ln>
+        </p:spPr>
+        <p:style>
+          <a:lnRef idx="1">
+            <a:schemeClr val="accent1"/>
+          </a:lnRef>
+          <a:fillRef idx="0">
+            <a:schemeClr val="accent1"/>
+          </a:fillRef>
+          <a:effectRef idx="0">
+            <a:schemeClr val="accent1"/>
+          </a:effectRef>
+          <a:fontRef idx="minor">
+            <a:schemeClr val="tx1"/>
+          </a:fontRef>
+        </p:style>
+      </p:cxnSp>
+      <p:cxnSp>
+        <p:nvCxnSpPr>
+          <p:cNvPr id="40" name="Straight Arrow Connector 39"/>
+          <p:cNvCxnSpPr/>
+          <p:nvPr/>
+        </p:nvCxnSpPr>
+        <p:spPr>
+          <a:xfrm flipH="1">
+            <a:off x="3508354" y="2787749"/>
+            <a:ext cx="501495" cy="5800"/>
+          </a:xfrm>
+          <a:prstGeom prst="straightConnector1">
+            <a:avLst/>
+          </a:prstGeom>
+          <a:ln w="6350">
+            <a:solidFill>
+              <a:schemeClr val="tx1"/>
+            </a:solidFill>
+            <a:tailEnd type="triangle"/>
+          </a:ln>
+        </p:spPr>
+        <p:style>
+          <a:lnRef idx="1">
+            <a:schemeClr val="accent1"/>
+          </a:lnRef>
+          <a:fillRef idx="0">
+            <a:schemeClr val="accent1"/>
+          </a:fillRef>
+          <a:effectRef idx="0">
+            <a:schemeClr val="accent1"/>
+          </a:effectRef>
+          <a:fontRef idx="minor">
+            <a:schemeClr val="tx1"/>
+          </a:fontRef>
+        </p:style>
+      </p:cxnSp>
+      <p:cxnSp>
+        <p:nvCxnSpPr>
+          <p:cNvPr id="41" name="Straight Arrow Connector 40"/>
+          <p:cNvCxnSpPr/>
+          <p:nvPr/>
+        </p:nvCxnSpPr>
+        <p:spPr>
+          <a:xfrm flipH="1">
+            <a:off x="5702194" y="1677021"/>
+            <a:ext cx="303223" cy="5800"/>
+          </a:xfrm>
+          <a:prstGeom prst="straightConnector1">
+            <a:avLst/>
+          </a:prstGeom>
+          <a:ln w="6350">
+            <a:solidFill>
+              <a:schemeClr val="tx1"/>
+            </a:solidFill>
+            <a:tailEnd type="triangle"/>
+          </a:ln>
+        </p:spPr>
+        <p:style>
+          <a:lnRef idx="1">
+            <a:schemeClr val="accent1"/>
+          </a:lnRef>
+          <a:fillRef idx="0">
+            <a:schemeClr val="accent1"/>
+          </a:fillRef>
+          <a:effectRef idx="0">
+            <a:schemeClr val="accent1"/>
+          </a:effectRef>
+          <a:fontRef idx="minor">
+            <a:schemeClr val="tx1"/>
+          </a:fontRef>
+        </p:style>
+      </p:cxnSp>
+      <p:cxnSp>
+        <p:nvCxnSpPr>
+          <p:cNvPr id="42" name="Straight Arrow Connector 41"/>
+          <p:cNvCxnSpPr/>
+          <p:nvPr/>
+        </p:nvCxnSpPr>
+        <p:spPr>
+          <a:xfrm flipH="1">
+            <a:off x="3783931" y="1671221"/>
+            <a:ext cx="303223" cy="5800"/>
           </a:xfrm>
           <a:prstGeom prst="straightConnector1">
             <a:avLst/>
@@ -16379,10 +16506,6 @@
               </a:rPr>
               <a:t>View from FI</a:t>
             </a:r>
-            <a:endParaRPr lang="en-US" sz="1800" kern="0" dirty="0" smtClean="0">
-              <a:ea typeface="Arial Unicode MS" pitchFamily="34" charset="-128"/>
-              <a:cs typeface="Arial Unicode MS" pitchFamily="34" charset="-128"/>
-            </a:endParaRPr>
           </a:p>
         </p:txBody>
       </p:sp>
@@ -16427,10 +16550,6 @@
               </a:rPr>
               <a:t>View from FI + PC </a:t>
             </a:r>
-            <a:endParaRPr lang="en-US" sz="1800" kern="0" dirty="0" smtClean="0">
-              <a:ea typeface="Arial Unicode MS" pitchFamily="34" charset="-128"/>
-              <a:cs typeface="Arial Unicode MS" pitchFamily="34" charset="-128"/>
-            </a:endParaRPr>
           </a:p>
         </p:txBody>
       </p:sp>
@@ -16475,10 +16594,6 @@
               </a:rPr>
               <a:t>Reporting per period </a:t>
             </a:r>
-            <a:endParaRPr lang="en-US" sz="1800" kern="0" dirty="0" smtClean="0">
-              <a:ea typeface="Arial Unicode MS" pitchFamily="34" charset="-128"/>
-              <a:cs typeface="Arial Unicode MS" pitchFamily="34" charset="-128"/>
-            </a:endParaRPr>
           </a:p>
         </p:txBody>
       </p:sp>
@@ -16523,10 +16638,6 @@
               </a:rPr>
               <a:t>Reporting per period </a:t>
             </a:r>
-            <a:endParaRPr lang="en-US" sz="1800" kern="0" dirty="0" smtClean="0">
-              <a:ea typeface="Arial Unicode MS" pitchFamily="34" charset="-128"/>
-              <a:cs typeface="Arial Unicode MS" pitchFamily="34" charset="-128"/>
-            </a:endParaRPr>
           </a:p>
         </p:txBody>
       </p:sp>
@@ -17310,21 +17421,7 @@
                 <a:ea typeface="Arial Unicode MS" pitchFamily="34" charset="-128"/>
                 <a:cs typeface="Arial Unicode MS" pitchFamily="34" charset="-128"/>
               </a:rPr>
-              <a:t>Cumulative catchup: </a:t>
-            </a:r>
-            <a:r>
-              <a:rPr lang="en-US" sz="2000" kern="0" dirty="0" smtClean="0">
-                <a:ea typeface="Arial Unicode MS" pitchFamily="34" charset="-128"/>
-                <a:cs typeface="Arial Unicode MS" pitchFamily="34" charset="-128"/>
-              </a:rPr>
-              <a:t>Get to know cont</a:t>
-            </a:r>
-            <a:r>
-              <a:rPr lang="en-US" sz="2000" kern="0" dirty="0" smtClean="0">
-                <a:ea typeface="Arial Unicode MS" pitchFamily="34" charset="-128"/>
-                <a:cs typeface="Arial Unicode MS" pitchFamily="34" charset="-128"/>
-              </a:rPr>
-              <a:t>ribution of past the period when change happens within the fiscal year for Management Reporting.</a:t>
+              <a:t>Cumulative catchup: Get to know contribution of past the period when change happens within the fiscal year for Management Reporting.</a:t>
             </a:r>
           </a:p>
           <a:p>
@@ -17431,13 +17528,6 @@
                 <a:cs typeface="Arial Unicode MS" pitchFamily="34" charset="-128"/>
               </a:rPr>
               <a:t>Intercompany process: no additional requirement</a:t>
-            </a:r>
-            <a:r>
-              <a:rPr lang="en-US" sz="2000" kern="0" dirty="0" smtClean="0">
-                <a:ea typeface="Arial Unicode MS" pitchFamily="34" charset="-128"/>
-                <a:cs typeface="Arial Unicode MS" pitchFamily="34" charset="-128"/>
-              </a:rPr>
-              <a:t/>
             </a:r>
             <a:br>
               <a:rPr lang="en-US" sz="2000" kern="0" dirty="0" smtClean="0">
